--- a/Docs/PPT.pptx
+++ b/Docs/PPT.pptx
@@ -12,9 +12,9 @@
     <p:sldId id="257" r:id="rId3"/>
     <p:sldId id="258" r:id="rId4"/>
     <p:sldId id="319" r:id="rId5"/>
-    <p:sldId id="263" r:id="rId6"/>
-    <p:sldId id="322" r:id="rId7"/>
-    <p:sldId id="264" r:id="rId8"/>
+    <p:sldId id="322" r:id="rId6"/>
+    <p:sldId id="264" r:id="rId7"/>
+    <p:sldId id="263" r:id="rId8"/>
     <p:sldId id="266" r:id="rId9"/>
     <p:sldId id="268" r:id="rId10"/>
     <p:sldId id="270" r:id="rId11"/>
@@ -24,7 +24,7 @@
     <p:sldId id="283" r:id="rId15"/>
     <p:sldId id="285" r:id="rId16"/>
     <p:sldId id="320" r:id="rId17"/>
-    <p:sldId id="321" r:id="rId18"/>
+    <p:sldId id="323" r:id="rId18"/>
     <p:sldId id="314" r:id="rId19"/>
     <p:sldId id="289" r:id="rId20"/>
     <p:sldId id="318" r:id="rId21"/>
@@ -58,6 +58,11 @@
       <p:font typeface="Roboto Bold" panose="02000000000000000000" charset="0"/>
       <p:regular r:id="rId33"/>
       <p:bold r:id="rId34"/>
+    </p:embeddedFont>
+    <p:embeddedFont>
+      <p:font typeface="Roboto Medium" panose="02000000000000000000" pitchFamily="2" charset="0"/>
+      <p:regular r:id="rId35"/>
+      <p:italic r:id="rId36"/>
     </p:embeddedFont>
   </p:embeddedFontLst>
   <p:defaultTextStyle>
@@ -256,7 +261,7 @@
           <a:p>
             <a:fld id="{4435262C-DD4F-42F0-8FF7-1C802E7FC343}" type="datetimeFigureOut">
               <a:rPr lang="vi-VN" smtClean="0"/>
-              <a:t>29/07/2024</a:t>
+              <a:t>18/08/2024</a:t>
             </a:fld>
             <a:endParaRPr lang="vi-VN"/>
           </a:p>
@@ -788,7 +793,7 @@
             <a:fld id="{1D8BD707-D9CF-40AE-B4C6-C98DA3205C09}" type="datetimeFigureOut">
               <a:rPr lang="en-US" smtClean="0"/>
               <a:pPr/>
-              <a:t>7/29/2024</a:t>
+              <a:t>8/18/2024</a:t>
             </a:fld>
             <a:endParaRPr lang="en-US"/>
           </a:p>
@@ -953,7 +958,7 @@
             <a:fld id="{1D8BD707-D9CF-40AE-B4C6-C98DA3205C09}" type="datetimeFigureOut">
               <a:rPr lang="en-US" smtClean="0"/>
               <a:pPr/>
-              <a:t>7/29/2024</a:t>
+              <a:t>8/18/2024</a:t>
             </a:fld>
             <a:endParaRPr lang="en-US"/>
           </a:p>
@@ -1128,7 +1133,7 @@
             <a:fld id="{1D8BD707-D9CF-40AE-B4C6-C98DA3205C09}" type="datetimeFigureOut">
               <a:rPr lang="en-US" smtClean="0"/>
               <a:pPr/>
-              <a:t>7/29/2024</a:t>
+              <a:t>8/18/2024</a:t>
             </a:fld>
             <a:endParaRPr lang="en-US"/>
           </a:p>
@@ -1293,7 +1298,7 @@
             <a:fld id="{1D8BD707-D9CF-40AE-B4C6-C98DA3205C09}" type="datetimeFigureOut">
               <a:rPr lang="en-US" smtClean="0"/>
               <a:pPr/>
-              <a:t>7/29/2024</a:t>
+              <a:t>8/18/2024</a:t>
             </a:fld>
             <a:endParaRPr lang="en-US"/>
           </a:p>
@@ -1535,7 +1540,7 @@
             <a:fld id="{1D8BD707-D9CF-40AE-B4C6-C98DA3205C09}" type="datetimeFigureOut">
               <a:rPr lang="en-US" smtClean="0"/>
               <a:pPr/>
-              <a:t>7/29/2024</a:t>
+              <a:t>8/18/2024</a:t>
             </a:fld>
             <a:endParaRPr lang="en-US"/>
           </a:p>
@@ -1817,7 +1822,7 @@
             <a:fld id="{1D8BD707-D9CF-40AE-B4C6-C98DA3205C09}" type="datetimeFigureOut">
               <a:rPr lang="en-US" smtClean="0"/>
               <a:pPr/>
-              <a:t>7/29/2024</a:t>
+              <a:t>8/18/2024</a:t>
             </a:fld>
             <a:endParaRPr lang="en-US"/>
           </a:p>
@@ -2233,7 +2238,7 @@
             <a:fld id="{1D8BD707-D9CF-40AE-B4C6-C98DA3205C09}" type="datetimeFigureOut">
               <a:rPr lang="en-US" smtClean="0"/>
               <a:pPr/>
-              <a:t>7/29/2024</a:t>
+              <a:t>8/18/2024</a:t>
             </a:fld>
             <a:endParaRPr lang="en-US"/>
           </a:p>
@@ -2347,7 +2352,7 @@
             <a:fld id="{1D8BD707-D9CF-40AE-B4C6-C98DA3205C09}" type="datetimeFigureOut">
               <a:rPr lang="en-US" smtClean="0"/>
               <a:pPr/>
-              <a:t>7/29/2024</a:t>
+              <a:t>8/18/2024</a:t>
             </a:fld>
             <a:endParaRPr lang="en-US"/>
           </a:p>
@@ -2439,7 +2444,7 @@
             <a:fld id="{1D8BD707-D9CF-40AE-B4C6-C98DA3205C09}" type="datetimeFigureOut">
               <a:rPr lang="en-US" smtClean="0"/>
               <a:pPr/>
-              <a:t>7/29/2024</a:t>
+              <a:t>8/18/2024</a:t>
             </a:fld>
             <a:endParaRPr lang="en-US"/>
           </a:p>
@@ -2711,7 +2716,7 @@
             <a:fld id="{1D8BD707-D9CF-40AE-B4C6-C98DA3205C09}" type="datetimeFigureOut">
               <a:rPr lang="en-US" smtClean="0"/>
               <a:pPr/>
-              <a:t>7/29/2024</a:t>
+              <a:t>8/18/2024</a:t>
             </a:fld>
             <a:endParaRPr lang="en-US"/>
           </a:p>
@@ -2960,7 +2965,7 @@
             <a:fld id="{1D8BD707-D9CF-40AE-B4C6-C98DA3205C09}" type="datetimeFigureOut">
               <a:rPr lang="en-US" smtClean="0"/>
               <a:pPr/>
-              <a:t>7/29/2024</a:t>
+              <a:t>8/18/2024</a:t>
             </a:fld>
             <a:endParaRPr lang="en-US"/>
           </a:p>
@@ -3168,7 +3173,7 @@
             <a:fld id="{1D8BD707-D9CF-40AE-B4C6-C98DA3205C09}" type="datetimeFigureOut">
               <a:rPr lang="en-US" smtClean="0"/>
               <a:pPr/>
-              <a:t>7/29/2024</a:t>
+              <a:t>8/18/2024</a:t>
             </a:fld>
             <a:endParaRPr lang="en-US"/>
           </a:p>
@@ -3654,7 +3659,7 @@
             <a:bodyPr/>
             <a:lstStyle/>
             <a:p>
-              <a:endParaRPr lang="en-US"/>
+              <a:endParaRPr lang="en-US" dirty="0"/>
             </a:p>
           </p:txBody>
         </p:sp>
@@ -3695,8 +3700,8 @@
         </p:nvSpPr>
         <p:spPr>
           <a:xfrm>
-            <a:off x="1028700" y="1028700"/>
-            <a:ext cx="8415441" cy="8229600"/>
+            <a:off x="2081129" y="1104900"/>
+            <a:ext cx="5524500" cy="4876800"/>
           </a:xfrm>
           <a:custGeom>
             <a:avLst/>
@@ -3754,15 +3759,15 @@
         </p:nvSpPr>
         <p:spPr>
           <a:xfrm>
-            <a:off x="9768176" y="2334895"/>
-            <a:ext cx="7491124" cy="5798186"/>
+            <a:off x="9768176" y="2334894"/>
+            <a:ext cx="7648410" cy="5856605"/>
           </a:xfrm>
           <a:prstGeom prst="rect">
             <a:avLst/>
           </a:prstGeom>
         </p:spPr>
         <p:txBody>
-          <a:bodyPr lIns="0" tIns="0" rIns="0" bIns="0" rtlCol="0" anchor="t">
+          <a:bodyPr wrap="square" lIns="0" tIns="0" rIns="0" bIns="0" rtlCol="0" anchor="t">
             <a:spAutoFit/>
           </a:bodyPr>
           <a:lstStyle/>
@@ -3773,7 +3778,7 @@
               </a:lnSpc>
             </a:pPr>
             <a:r>
-              <a:rPr lang="en-US" sz="8000">
+              <a:rPr lang="en-US" sz="8000" dirty="0">
                 <a:solidFill>
                   <a:srgbClr val="000000"/>
                 </a:solidFill>
@@ -3792,7 +3797,7 @@
               </a:lnSpc>
             </a:pPr>
             <a:r>
-              <a:rPr lang="en-US" sz="8000">
+              <a:rPr lang="en-US" sz="8000" dirty="0">
                 <a:solidFill>
                   <a:srgbClr val="000000"/>
                 </a:solidFill>
@@ -3811,7 +3816,7 @@
               </a:lnSpc>
             </a:pPr>
             <a:r>
-              <a:rPr lang="en-US" sz="8000">
+              <a:rPr lang="en-US" sz="8000" dirty="0">
                 <a:solidFill>
                   <a:srgbClr val="000000"/>
                 </a:solidFill>
@@ -3830,7 +3835,7 @@
               </a:lnSpc>
             </a:pPr>
             <a:r>
-              <a:rPr lang="en-US" sz="8000">
+              <a:rPr lang="en-US" sz="8000" dirty="0">
                 <a:solidFill>
                   <a:srgbClr val="000000"/>
                 </a:solidFill>
@@ -3849,7 +3854,7 @@
               </a:lnSpc>
             </a:pPr>
             <a:r>
-              <a:rPr lang="en-US" sz="8000">
+              <a:rPr lang="en-US" sz="8000" dirty="0">
                 <a:solidFill>
                   <a:srgbClr val="000000"/>
                 </a:solidFill>
@@ -3868,7 +3873,7 @@
               </a:lnSpc>
             </a:pPr>
             <a:r>
-              <a:rPr lang="en-US" sz="8000">
+              <a:rPr lang="en-US" sz="8000" dirty="0">
                 <a:solidFill>
                   <a:srgbClr val="000000"/>
                 </a:solidFill>
@@ -3929,6 +3934,117 @@
           </a:extLst>
         </p:spPr>
       </p:pic>
+      <p:sp>
+        <p:nvSpPr>
+          <p:cNvPr id="7" name="TextBox 6">
+            <a:extLst>
+              <a:ext uri="{FF2B5EF4-FFF2-40B4-BE49-F238E27FC236}">
+                <a16:creationId xmlns:a16="http://schemas.microsoft.com/office/drawing/2014/main" id="{597E2D79-B381-587D-A3A1-5A7FF2D240B6}"/>
+              </a:ext>
+            </a:extLst>
+          </p:cNvPr>
+          <p:cNvSpPr txBox="1"/>
+          <p:nvPr/>
+        </p:nvSpPr>
+        <p:spPr>
+          <a:xfrm>
+            <a:off x="1600200" y="6591300"/>
+            <a:ext cx="7648410" cy="1785745"/>
+          </a:xfrm>
+          <a:prstGeom prst="rect">
+            <a:avLst/>
+          </a:prstGeom>
+        </p:spPr>
+        <p:txBody>
+          <a:bodyPr wrap="square" lIns="0" tIns="0" rIns="0" bIns="0" rtlCol="0" anchor="t">
+            <a:spAutoFit/>
+          </a:bodyPr>
+          <a:lstStyle/>
+          <a:p>
+            <a:pPr algn="l">
+              <a:lnSpc>
+                <a:spcPts val="7520"/>
+              </a:lnSpc>
+            </a:pPr>
+            <a:r>
+              <a:rPr lang="en-US" sz="3200" dirty="0">
+                <a:solidFill>
+                  <a:srgbClr val="000000"/>
+                </a:solidFill>
+                <a:latin typeface="Roboto Medium" panose="02000000000000000000" pitchFamily="2" charset="0"/>
+                <a:ea typeface="Roboto Medium" panose="02000000000000000000" pitchFamily="2" charset="0"/>
+                <a:cs typeface="Bebas Neue Bold"/>
+                <a:sym typeface="Bebas Neue Bold"/>
+              </a:rPr>
+              <a:t>52100778 – Ngô Chí </a:t>
+            </a:r>
+            <a:r>
+              <a:rPr lang="en-US" sz="3200" dirty="0" err="1">
+                <a:solidFill>
+                  <a:srgbClr val="000000"/>
+                </a:solidFill>
+                <a:latin typeface="Roboto Medium" panose="02000000000000000000" pitchFamily="2" charset="0"/>
+                <a:ea typeface="Roboto Medium" panose="02000000000000000000" pitchFamily="2" charset="0"/>
+                <a:cs typeface="Bebas Neue Bold"/>
+                <a:sym typeface="Bebas Neue Bold"/>
+              </a:rPr>
+              <a:t>Cường</a:t>
+            </a:r>
+            <a:endParaRPr lang="en-US" sz="3200" dirty="0">
+              <a:solidFill>
+                <a:srgbClr val="000000"/>
+              </a:solidFill>
+              <a:latin typeface="Roboto Medium" panose="02000000000000000000" pitchFamily="2" charset="0"/>
+              <a:ea typeface="Roboto Medium" panose="02000000000000000000" pitchFamily="2" charset="0"/>
+              <a:cs typeface="Bebas Neue Bold"/>
+              <a:sym typeface="Bebas Neue Bold"/>
+            </a:endParaRPr>
+          </a:p>
+          <a:p>
+            <a:pPr algn="l">
+              <a:lnSpc>
+                <a:spcPts val="7520"/>
+              </a:lnSpc>
+            </a:pPr>
+            <a:r>
+              <a:rPr lang="en-US" sz="3200" dirty="0">
+                <a:solidFill>
+                  <a:srgbClr val="000000"/>
+                </a:solidFill>
+                <a:latin typeface="Roboto Medium" panose="02000000000000000000" pitchFamily="2" charset="0"/>
+                <a:ea typeface="Roboto Medium" panose="02000000000000000000" pitchFamily="2" charset="0"/>
+                <a:cs typeface="Bebas Neue Bold"/>
+                <a:sym typeface="Bebas Neue Bold"/>
+              </a:rPr>
+              <a:t>52100572 – Lê </a:t>
+            </a:r>
+            <a:r>
+              <a:rPr lang="en-US" sz="3200" dirty="0" err="1">
+                <a:solidFill>
+                  <a:srgbClr val="000000"/>
+                </a:solidFill>
+                <a:latin typeface="Roboto Medium" panose="02000000000000000000" pitchFamily="2" charset="0"/>
+                <a:ea typeface="Roboto Medium" panose="02000000000000000000" pitchFamily="2" charset="0"/>
+                <a:cs typeface="Bebas Neue Bold"/>
+                <a:sym typeface="Bebas Neue Bold"/>
+              </a:rPr>
+              <a:t>Trần</a:t>
+            </a:r>
+            <a:r>
+              <a:rPr lang="en-US" sz="3200" dirty="0">
+                <a:solidFill>
+                  <a:srgbClr val="000000"/>
+                </a:solidFill>
+                <a:latin typeface="Roboto Medium" panose="02000000000000000000" pitchFamily="2" charset="0"/>
+                <a:ea typeface="Roboto Medium" panose="02000000000000000000" pitchFamily="2" charset="0"/>
+                <a:cs typeface="Bebas Neue Bold"/>
+                <a:sym typeface="Bebas Neue Bold"/>
+              </a:rPr>
+              <a:t> Phú</a:t>
+            </a:r>
+          </a:p>
+        </p:txBody>
+      </p:sp>
     </p:spTree>
   </p:cSld>
   <p:clrMapOvr>
@@ -5223,6 +5339,73 @@
           </a:p>
         </p:txBody>
       </p:sp>
+      <p:sp>
+        <p:nvSpPr>
+          <p:cNvPr id="4" name="TextBox 3">
+            <a:extLst>
+              <a:ext uri="{FF2B5EF4-FFF2-40B4-BE49-F238E27FC236}">
+                <a16:creationId xmlns:a16="http://schemas.microsoft.com/office/drawing/2014/main" id="{D4104AD7-F71F-B746-679E-BA99E08F1A5C}"/>
+              </a:ext>
+            </a:extLst>
+          </p:cNvPr>
+          <p:cNvSpPr txBox="1"/>
+          <p:nvPr/>
+        </p:nvSpPr>
+        <p:spPr>
+          <a:xfrm>
+            <a:off x="6714489" y="9666572"/>
+            <a:ext cx="4859022" cy="646331"/>
+          </a:xfrm>
+          <a:prstGeom prst="rect">
+            <a:avLst/>
+          </a:prstGeom>
+          <a:noFill/>
+        </p:spPr>
+        <p:txBody>
+          <a:bodyPr wrap="none" rtlCol="0">
+            <a:spAutoFit/>
+          </a:bodyPr>
+          <a:lstStyle/>
+          <a:p>
+            <a:r>
+              <a:rPr lang="en-US" sz="1800" dirty="0">
+                <a:effectLst/>
+                <a:latin typeface="Times New Roman" panose="02020603050405020304" pitchFamily="18" charset="0"/>
+                <a:ea typeface="Calibri" panose="020F0502020204030204" pitchFamily="34" charset="0"/>
+                <a:cs typeface="Times New Roman" panose="02020603050405020304" pitchFamily="18" charset="0"/>
+              </a:rPr>
+              <a:t>(Fournier-</a:t>
+            </a:r>
+            <a:r>
+              <a:rPr lang="en-US" sz="1800" dirty="0" err="1">
+                <a:effectLst/>
+                <a:latin typeface="Times New Roman" panose="02020603050405020304" pitchFamily="18" charset="0"/>
+                <a:ea typeface="Calibri" panose="020F0502020204030204" pitchFamily="34" charset="0"/>
+                <a:cs typeface="Times New Roman" panose="02020603050405020304" pitchFamily="18" charset="0"/>
+              </a:rPr>
+              <a:t>Viger</a:t>
+            </a:r>
+            <a:r>
+              <a:rPr lang="en-US" sz="1800" dirty="0">
+                <a:effectLst/>
+                <a:latin typeface="Times New Roman" panose="02020603050405020304" pitchFamily="18" charset="0"/>
+                <a:ea typeface="Calibri" panose="020F0502020204030204" pitchFamily="34" charset="0"/>
+                <a:cs typeface="Times New Roman" panose="02020603050405020304" pitchFamily="18" charset="0"/>
+              </a:rPr>
+              <a:t>, Cheng, Lin, Yun, &amp; Kiran, 2019)</a:t>
+            </a:r>
+            <a:endParaRPr lang="vi-VN" sz="1800" dirty="0">
+              <a:effectLst/>
+              <a:latin typeface="Times New Roman" panose="02020603050405020304" pitchFamily="18" charset="0"/>
+              <a:ea typeface="Calibri" panose="020F0502020204030204" pitchFamily="34" charset="0"/>
+              <a:cs typeface="Times New Roman" panose="02020603050405020304" pitchFamily="18" charset="0"/>
+            </a:endParaRPr>
+          </a:p>
+          <a:p>
+            <a:endParaRPr lang="vi-VN" dirty="0"/>
+          </a:p>
+        </p:txBody>
+      </p:sp>
     </p:spTree>
   </p:cSld>
   <p:clrMapOvr>
@@ -5268,15 +5451,15 @@
         </p:nvSpPr>
         <p:spPr>
           <a:xfrm>
-            <a:off x="1028700" y="1133475"/>
-            <a:ext cx="16230600" cy="857173"/>
+            <a:off x="1052728" y="1133475"/>
+            <a:ext cx="16206571" cy="820738"/>
           </a:xfrm>
           <a:prstGeom prst="rect">
             <a:avLst/>
           </a:prstGeom>
         </p:spPr>
         <p:txBody>
-          <a:bodyPr lIns="0" tIns="0" rIns="0" bIns="0" rtlCol="0" anchor="t">
+          <a:bodyPr wrap="square" lIns="0" tIns="0" rIns="0" bIns="0" rtlCol="0" anchor="t">
             <a:spAutoFit/>
           </a:bodyPr>
           <a:lstStyle/>
@@ -5290,7 +5473,7 @@
               </a:spcBef>
             </a:pPr>
             <a:r>
-              <a:rPr lang="en-US" sz="6312">
+              <a:rPr lang="en-US" sz="5400" dirty="0" err="1">
                 <a:solidFill>
                   <a:srgbClr val="000000"/>
                 </a:solidFill>
@@ -5299,7 +5482,43 @@
                 <a:cs typeface="Roboto Bold"/>
                 <a:sym typeface="Roboto Bold"/>
               </a:rPr>
-              <a:t>Thuật toán TKG</a:t>
+              <a:t>Thuật</a:t>
+            </a:r>
+            <a:r>
+              <a:rPr lang="en-US" sz="5400" dirty="0">
+                <a:solidFill>
+                  <a:srgbClr val="000000"/>
+                </a:solidFill>
+                <a:latin typeface="Roboto Bold"/>
+                <a:ea typeface="Roboto Bold"/>
+                <a:cs typeface="Roboto Bold"/>
+                <a:sym typeface="Roboto Bold"/>
+              </a:rPr>
+              <a:t> </a:t>
+            </a:r>
+            <a:r>
+              <a:rPr lang="en-US" sz="5400" dirty="0" err="1">
+                <a:solidFill>
+                  <a:srgbClr val="000000"/>
+                </a:solidFill>
+                <a:latin typeface="Roboto Bold"/>
+                <a:ea typeface="Roboto Bold"/>
+                <a:cs typeface="Roboto Bold"/>
+                <a:sym typeface="Roboto Bold"/>
+              </a:rPr>
+              <a:t>toán</a:t>
+            </a:r>
+            <a:r>
+              <a:rPr lang="en-US" sz="5400" dirty="0">
+                <a:solidFill>
+                  <a:srgbClr val="000000"/>
+                </a:solidFill>
+                <a:latin typeface="Roboto Bold"/>
+                <a:ea typeface="Roboto Bold"/>
+                <a:cs typeface="Roboto Bold"/>
+                <a:sym typeface="Roboto Bold"/>
+              </a:rPr>
+              <a:t> TKG (Top-K frequent subgraph mining)</a:t>
             </a:r>
           </a:p>
         </p:txBody>
@@ -5331,17 +5550,146 @@
               </a:lnSpc>
             </a:pPr>
             <a:r>
-              <a:rPr lang="en-US" sz="2799">
-                <a:solidFill>
-                  <a:srgbClr val="000000"/>
-                </a:solidFill>
-                <a:latin typeface="Roboto"/>
-                <a:ea typeface="Roboto"/>
-                <a:cs typeface="Roboto"/>
-                <a:sym typeface="Roboto"/>
-              </a:rPr>
-              <a:t>Cơ sở lý thuyết thuật toán</a:t>
-            </a:r>
+              <a:rPr lang="en-US" sz="2799" dirty="0" err="1">
+                <a:solidFill>
+                  <a:srgbClr val="000000"/>
+                </a:solidFill>
+                <a:latin typeface="Roboto"/>
+                <a:ea typeface="Roboto"/>
+                <a:cs typeface="Roboto"/>
+                <a:sym typeface="Roboto"/>
+              </a:rPr>
+              <a:t>Cơ</a:t>
+            </a:r>
+            <a:r>
+              <a:rPr lang="en-US" sz="2799" dirty="0">
+                <a:solidFill>
+                  <a:srgbClr val="000000"/>
+                </a:solidFill>
+                <a:latin typeface="Roboto"/>
+                <a:ea typeface="Roboto"/>
+                <a:cs typeface="Roboto"/>
+                <a:sym typeface="Roboto"/>
+              </a:rPr>
+              <a:t> </a:t>
+            </a:r>
+            <a:r>
+              <a:rPr lang="en-US" sz="2799" dirty="0" err="1">
+                <a:solidFill>
+                  <a:srgbClr val="000000"/>
+                </a:solidFill>
+                <a:latin typeface="Roboto"/>
+                <a:ea typeface="Roboto"/>
+                <a:cs typeface="Roboto"/>
+                <a:sym typeface="Roboto"/>
+              </a:rPr>
+              <a:t>sở</a:t>
+            </a:r>
+            <a:r>
+              <a:rPr lang="en-US" sz="2799" dirty="0">
+                <a:solidFill>
+                  <a:srgbClr val="000000"/>
+                </a:solidFill>
+                <a:latin typeface="Roboto"/>
+                <a:ea typeface="Roboto"/>
+                <a:cs typeface="Roboto"/>
+                <a:sym typeface="Roboto"/>
+              </a:rPr>
+              <a:t> </a:t>
+            </a:r>
+            <a:r>
+              <a:rPr lang="en-US" sz="2799" dirty="0" err="1">
+                <a:solidFill>
+                  <a:srgbClr val="000000"/>
+                </a:solidFill>
+                <a:latin typeface="Roboto"/>
+                <a:ea typeface="Roboto"/>
+                <a:cs typeface="Roboto"/>
+                <a:sym typeface="Roboto"/>
+              </a:rPr>
+              <a:t>lý</a:t>
+            </a:r>
+            <a:r>
+              <a:rPr lang="en-US" sz="2799" dirty="0">
+                <a:solidFill>
+                  <a:srgbClr val="000000"/>
+                </a:solidFill>
+                <a:latin typeface="Roboto"/>
+                <a:ea typeface="Roboto"/>
+                <a:cs typeface="Roboto"/>
+                <a:sym typeface="Roboto"/>
+              </a:rPr>
+              <a:t> </a:t>
+            </a:r>
+            <a:r>
+              <a:rPr lang="en-US" sz="2799" dirty="0" err="1">
+                <a:solidFill>
+                  <a:srgbClr val="000000"/>
+                </a:solidFill>
+                <a:latin typeface="Roboto"/>
+                <a:ea typeface="Roboto"/>
+                <a:cs typeface="Roboto"/>
+                <a:sym typeface="Roboto"/>
+              </a:rPr>
+              <a:t>thuyết</a:t>
+            </a:r>
+            <a:r>
+              <a:rPr lang="en-US" sz="2799" dirty="0">
+                <a:solidFill>
+                  <a:srgbClr val="000000"/>
+                </a:solidFill>
+                <a:latin typeface="Roboto"/>
+                <a:ea typeface="Roboto"/>
+                <a:cs typeface="Roboto"/>
+                <a:sym typeface="Roboto"/>
+              </a:rPr>
+              <a:t> </a:t>
+            </a:r>
+            <a:r>
+              <a:rPr lang="en-US" sz="2799" dirty="0" err="1">
+                <a:solidFill>
+                  <a:srgbClr val="000000"/>
+                </a:solidFill>
+                <a:latin typeface="Roboto"/>
+                <a:ea typeface="Roboto"/>
+                <a:cs typeface="Roboto"/>
+                <a:sym typeface="Roboto"/>
+              </a:rPr>
+              <a:t>thuật</a:t>
+            </a:r>
+            <a:r>
+              <a:rPr lang="en-US" sz="2799" dirty="0">
+                <a:solidFill>
+                  <a:srgbClr val="000000"/>
+                </a:solidFill>
+                <a:latin typeface="Roboto"/>
+                <a:ea typeface="Roboto"/>
+                <a:cs typeface="Roboto"/>
+                <a:sym typeface="Roboto"/>
+              </a:rPr>
+              <a:t> </a:t>
+            </a:r>
+            <a:r>
+              <a:rPr lang="en-US" sz="2799" dirty="0" err="1">
+                <a:solidFill>
+                  <a:srgbClr val="000000"/>
+                </a:solidFill>
+                <a:latin typeface="Roboto"/>
+                <a:ea typeface="Roboto"/>
+                <a:cs typeface="Roboto"/>
+                <a:sym typeface="Roboto"/>
+              </a:rPr>
+              <a:t>toán</a:t>
+            </a:r>
+            <a:endParaRPr lang="en-US" sz="2799" dirty="0">
+              <a:solidFill>
+                <a:srgbClr val="000000"/>
+              </a:solidFill>
+              <a:latin typeface="Roboto"/>
+              <a:ea typeface="Roboto"/>
+              <a:cs typeface="Roboto"/>
+              <a:sym typeface="Roboto"/>
+            </a:endParaRPr>
           </a:p>
         </p:txBody>
       </p:sp>
@@ -5374,7 +5722,7 @@
         </p:blipFill>
         <p:spPr bwMode="auto">
           <a:xfrm>
-            <a:off x="16149954" y="190500"/>
+            <a:off x="16262786" y="0"/>
             <a:ext cx="1993026" cy="1101147"/>
           </a:xfrm>
           <a:prstGeom prst="rect">
@@ -5406,8 +5754,8 @@
         </p:nvSpPr>
         <p:spPr>
           <a:xfrm>
-            <a:off x="1981200" y="3349169"/>
-            <a:ext cx="2057400" cy="1219200"/>
+            <a:off x="1052729" y="3060453"/>
+            <a:ext cx="2061505" cy="940047"/>
           </a:xfrm>
           <a:prstGeom prst="rect">
             <a:avLst/>
@@ -5442,6 +5790,29 @@
               <a:rPr lang="en-US" dirty="0"/>
               <a:t>=1</a:t>
             </a:r>
+          </a:p>
+          <a:p>
+            <a:pPr algn="ctr"/>
+            <a:r>
+              <a:rPr lang="en-US" dirty="0" err="1"/>
+              <a:t>Hàng</a:t>
+            </a:r>
+            <a:r>
+              <a:rPr lang="en-US" dirty="0"/>
+              <a:t> </a:t>
+            </a:r>
+            <a:r>
+              <a:rPr lang="en-US" dirty="0" err="1"/>
+              <a:t>đợi</a:t>
+            </a:r>
+            <a:r>
+              <a:rPr lang="en-US" dirty="0"/>
+              <a:t> </a:t>
+            </a:r>
+            <a:r>
+              <a:rPr lang="en-US" dirty="0" err="1"/>
+              <a:t>Qk</a:t>
+            </a:r>
             <a:endParaRPr lang="vi-VN" dirty="0"/>
           </a:p>
         </p:txBody>
@@ -5460,8 +5831,8 @@
         </p:nvSpPr>
         <p:spPr>
           <a:xfrm>
-            <a:off x="6819901" y="4686300"/>
-            <a:ext cx="2057400" cy="1219200"/>
+            <a:off x="1056835" y="4573429"/>
+            <a:ext cx="2057400" cy="1140141"/>
           </a:xfrm>
           <a:prstGeom prst="rect">
             <a:avLst/>
@@ -5554,10 +5925,10 @@
       </p:sp>
       <p:sp>
         <p:nvSpPr>
-          <p:cNvPr id="8" name="Rectangle 7">
+          <p:cNvPr id="9" name="Rectangle 8">
             <a:extLst>
               <a:ext uri="{FF2B5EF4-FFF2-40B4-BE49-F238E27FC236}">
-                <a16:creationId xmlns:a16="http://schemas.microsoft.com/office/drawing/2014/main" id="{99F4B718-8251-D288-AB47-05D10B7E858F}"/>
+                <a16:creationId xmlns:a16="http://schemas.microsoft.com/office/drawing/2014/main" id="{871712E3-E974-1B98-D74F-27986FA33102}"/>
               </a:ext>
             </a:extLst>
           </p:cNvPr>
@@ -5566,8 +5937,8 @@
         </p:nvSpPr>
         <p:spPr>
           <a:xfrm>
-            <a:off x="1981200" y="5905500"/>
-            <a:ext cx="2057400" cy="1219200"/>
+            <a:off x="1052729" y="6300786"/>
+            <a:ext cx="2057398" cy="1140141"/>
           </a:xfrm>
           <a:prstGeom prst="rect">
             <a:avLst/>
@@ -5596,7 +5967,7 @@
             <a:pPr algn="ctr"/>
             <a:r>
               <a:rPr lang="en-US" dirty="0" err="1"/>
-              <a:t>Hàng</a:t>
+              <a:t>Thêm</a:t>
             </a:r>
             <a:r>
               <a:rPr lang="en-US" dirty="0"/>
@@ -5604,7 +5975,31 @@
             </a:r>
             <a:r>
               <a:rPr lang="en-US" dirty="0" err="1"/>
-              <a:t>đợi</a:t>
+              <a:t>vào</a:t>
+            </a:r>
+            <a:r>
+              <a:rPr lang="en-US" dirty="0"/>
+              <a:t> </a:t>
+            </a:r>
+            <a:r>
+              <a:rPr lang="en-US" dirty="0" err="1"/>
+              <a:t>đô</a:t>
+            </a:r>
+            <a:r>
+              <a:rPr lang="en-US" dirty="0"/>
+              <a:t>̀ </a:t>
+            </a:r>
+            <a:r>
+              <a:rPr lang="en-US" dirty="0" err="1"/>
+              <a:t>thi</a:t>
+            </a:r>
+            <a:r>
+              <a:rPr lang="en-US" dirty="0"/>
+              <a:t>̣ con </a:t>
+            </a:r>
+            <a:r>
+              <a:rPr lang="en-US" dirty="0" err="1"/>
+              <a:t>vào</a:t>
             </a:r>
             <a:r>
               <a:rPr lang="en-US" dirty="0"/>
@@ -5620,10 +6015,10 @@
       </p:sp>
       <p:sp>
         <p:nvSpPr>
-          <p:cNvPr id="9" name="Rectangle 8">
+          <p:cNvPr id="10" name="Rectangle 9">
             <a:extLst>
               <a:ext uri="{FF2B5EF4-FFF2-40B4-BE49-F238E27FC236}">
-                <a16:creationId xmlns:a16="http://schemas.microsoft.com/office/drawing/2014/main" id="{871712E3-E974-1B98-D74F-27986FA33102}"/>
+                <a16:creationId xmlns:a16="http://schemas.microsoft.com/office/drawing/2014/main" id="{302E7431-8871-C59D-6372-C16217B51BA3}"/>
               </a:ext>
             </a:extLst>
           </p:cNvPr>
@@ -5632,8 +6027,8 @@
         </p:nvSpPr>
         <p:spPr>
           <a:xfrm>
-            <a:off x="11017440" y="4672084"/>
-            <a:ext cx="2057400" cy="1219200"/>
+            <a:off x="1052729" y="8026860"/>
+            <a:ext cx="2057398" cy="940047"/>
           </a:xfrm>
           <a:prstGeom prst="rect">
             <a:avLst/>
@@ -5662,7 +6057,7 @@
             <a:pPr algn="ctr"/>
             <a:r>
               <a:rPr lang="en-US" dirty="0" err="1"/>
-              <a:t>Thêm</a:t>
+              <a:t>Nâng</a:t>
             </a:r>
             <a:r>
               <a:rPr lang="en-US" dirty="0"/>
@@ -5670,248 +6065,230 @@
             </a:r>
             <a:r>
               <a:rPr lang="en-US" dirty="0" err="1"/>
-              <a:t>vào</a:t>
+              <a:t>gia</a:t>
             </a:r>
             <a:r>
               <a:rPr lang="en-US" dirty="0"/>
-              <a:t> </a:t>
+              <a:t>́ trị </a:t>
             </a:r>
             <a:r>
               <a:rPr lang="en-US" dirty="0" err="1"/>
-              <a:t>đô</a:t>
-            </a:r>
-            <a:r>
-              <a:rPr lang="en-US" dirty="0"/>
-              <a:t>̀ </a:t>
-            </a:r>
-            <a:r>
-              <a:rPr lang="en-US" dirty="0" err="1"/>
-              <a:t>thi</a:t>
-            </a:r>
-            <a:r>
-              <a:rPr lang="en-US" dirty="0"/>
-              <a:t>̣ con </a:t>
-            </a:r>
-            <a:r>
-              <a:rPr lang="en-US" dirty="0" err="1"/>
-              <a:t>vào</a:t>
-            </a:r>
-            <a:r>
-              <a:rPr lang="en-US" dirty="0"/>
-              <a:t> </a:t>
-            </a:r>
-            <a:r>
-              <a:rPr lang="en-US" dirty="0" err="1"/>
-              <a:t>Qk</a:t>
+              <a:t>minsup</a:t>
             </a:r>
             <a:endParaRPr lang="vi-VN" dirty="0"/>
           </a:p>
         </p:txBody>
       </p:sp>
-      <p:sp>
-        <p:nvSpPr>
-          <p:cNvPr id="10" name="Rectangle 9">
+      <p:pic>
+        <p:nvPicPr>
+          <p:cNvPr id="4" name="Picture 3">
             <a:extLst>
               <a:ext uri="{FF2B5EF4-FFF2-40B4-BE49-F238E27FC236}">
-                <a16:creationId xmlns:a16="http://schemas.microsoft.com/office/drawing/2014/main" id="{302E7431-8871-C59D-6372-C16217B51BA3}"/>
+                <a16:creationId xmlns:a16="http://schemas.microsoft.com/office/drawing/2014/main" id="{15B50535-8F5A-F499-C4E3-16925F53A4B5}"/>
               </a:ext>
             </a:extLst>
           </p:cNvPr>
-          <p:cNvSpPr/>
+          <p:cNvPicPr>
+            <a:picLocks noChangeAspect="1"/>
+          </p:cNvPicPr>
           <p:nvPr/>
-        </p:nvSpPr>
+        </p:nvPicPr>
+        <p:blipFill>
+          <a:blip r:embed="rId3"/>
+          <a:stretch>
+            <a:fillRect/>
+          </a:stretch>
+        </p:blipFill>
         <p:spPr>
           <a:xfrm>
-            <a:off x="15201900" y="4672084"/>
-            <a:ext cx="2057400" cy="1219200"/>
+            <a:off x="5257800" y="2269328"/>
+            <a:ext cx="12184985" cy="7322899"/>
           </a:xfrm>
           <a:prstGeom prst="rect">
             <a:avLst/>
           </a:prstGeom>
         </p:spPr>
+      </p:pic>
+      <p:cxnSp>
+        <p:nvCxnSpPr>
+          <p:cNvPr id="20" name="Connector: Elbow 19">
+            <a:extLst>
+              <a:ext uri="{FF2B5EF4-FFF2-40B4-BE49-F238E27FC236}">
+                <a16:creationId xmlns:a16="http://schemas.microsoft.com/office/drawing/2014/main" id="{B3C5F77F-C1A4-2B83-70AB-4D54213CE604}"/>
+              </a:ext>
+            </a:extLst>
+          </p:cNvPr>
+          <p:cNvCxnSpPr>
+            <a:cxnSpLocks/>
+            <a:stCxn id="6" idx="2"/>
+            <a:endCxn id="7" idx="0"/>
+          </p:cNvCxnSpPr>
+          <p:nvPr/>
+        </p:nvCxnSpPr>
+        <p:spPr>
+          <a:xfrm rot="16200000" flipH="1">
+            <a:off x="1798044" y="4285937"/>
+            <a:ext cx="572929" cy="2053"/>
+          </a:xfrm>
+          <a:prstGeom prst="bentConnector3">
+            <a:avLst>
+              <a:gd name="adj1" fmla="val 50000"/>
+            </a:avLst>
+          </a:prstGeom>
+          <a:ln w="76200">
+            <a:tailEnd type="triangle"/>
+          </a:ln>
+        </p:spPr>
         <p:style>
-          <a:lnRef idx="2">
-            <a:schemeClr val="accent1">
-              <a:shade val="15000"/>
-            </a:schemeClr>
+          <a:lnRef idx="1">
+            <a:schemeClr val="accent1"/>
           </a:lnRef>
-          <a:fillRef idx="1">
+          <a:fillRef idx="0">
             <a:schemeClr val="accent1"/>
           </a:fillRef>
           <a:effectRef idx="0">
             <a:schemeClr val="accent1"/>
           </a:effectRef>
           <a:fontRef idx="minor">
-            <a:schemeClr val="lt1"/>
+            <a:schemeClr val="tx1"/>
           </a:fontRef>
         </p:style>
-        <p:txBody>
-          <a:bodyPr rtlCol="0" anchor="ctr"/>
-          <a:lstStyle/>
-          <a:p>
-            <a:pPr algn="ctr"/>
-            <a:r>
-              <a:rPr lang="en-US" dirty="0" err="1"/>
-              <a:t>Nâng</a:t>
-            </a:r>
-            <a:r>
-              <a:rPr lang="en-US" dirty="0"/>
-              <a:t> </a:t>
-            </a:r>
-            <a:r>
-              <a:rPr lang="en-US" dirty="0" err="1"/>
-              <a:t>gia</a:t>
-            </a:r>
-            <a:r>
-              <a:rPr lang="en-US" dirty="0"/>
-              <a:t>́ trị </a:t>
-            </a:r>
-            <a:r>
-              <a:rPr lang="en-US" dirty="0" err="1"/>
-              <a:t>minsup</a:t>
-            </a:r>
-            <a:endParaRPr lang="vi-VN" dirty="0"/>
-          </a:p>
-        </p:txBody>
-      </p:sp>
-      <p:sp>
-        <p:nvSpPr>
-          <p:cNvPr id="11" name="Arrow: Right 10">
+      </p:cxnSp>
+      <p:cxnSp>
+        <p:nvCxnSpPr>
+          <p:cNvPr id="25" name="Connector: Elbow 24">
             <a:extLst>
               <a:ext uri="{FF2B5EF4-FFF2-40B4-BE49-F238E27FC236}">
-                <a16:creationId xmlns:a16="http://schemas.microsoft.com/office/drawing/2014/main" id="{041FFF1C-9344-7554-5745-40E4E55E48B0}"/>
+                <a16:creationId xmlns:a16="http://schemas.microsoft.com/office/drawing/2014/main" id="{175619E8-6CF3-EF18-E394-4F5399FDD430}"/>
               </a:ext>
             </a:extLst>
           </p:cNvPr>
-          <p:cNvSpPr/>
+          <p:cNvCxnSpPr>
+            <a:cxnSpLocks/>
+            <a:stCxn id="7" idx="2"/>
+            <a:endCxn id="9" idx="0"/>
+          </p:cNvCxnSpPr>
           <p:nvPr/>
-        </p:nvSpPr>
+        </p:nvCxnSpPr>
         <p:spPr>
-          <a:xfrm>
-            <a:off x="13348080" y="4672084"/>
-            <a:ext cx="1663320" cy="1219200"/>
+          <a:xfrm rot="5400000">
+            <a:off x="1789874" y="6005125"/>
+            <a:ext cx="587216" cy="4107"/>
           </a:xfrm>
-          <a:prstGeom prst="rightArrow">
-            <a:avLst/>
+          <a:prstGeom prst="bentConnector3">
+            <a:avLst>
+              <a:gd name="adj1" fmla="val 50000"/>
+            </a:avLst>
           </a:prstGeom>
+          <a:ln w="76200">
+            <a:tailEnd type="triangle"/>
+          </a:ln>
         </p:spPr>
         <p:style>
-          <a:lnRef idx="2">
-            <a:schemeClr val="accent1">
-              <a:shade val="15000"/>
-            </a:schemeClr>
+          <a:lnRef idx="1">
+            <a:schemeClr val="accent1"/>
           </a:lnRef>
-          <a:fillRef idx="1">
+          <a:fillRef idx="0">
             <a:schemeClr val="accent1"/>
           </a:fillRef>
           <a:effectRef idx="0">
             <a:schemeClr val="accent1"/>
           </a:effectRef>
           <a:fontRef idx="minor">
-            <a:schemeClr val="lt1"/>
+            <a:schemeClr val="tx1"/>
           </a:fontRef>
         </p:style>
-        <p:txBody>
-          <a:bodyPr rtlCol="0" anchor="ctr"/>
-          <a:lstStyle/>
-          <a:p>
-            <a:pPr algn="ctr"/>
-            <a:endParaRPr lang="vi-VN"/>
-          </a:p>
-        </p:txBody>
-      </p:sp>
-      <p:sp>
-        <p:nvSpPr>
-          <p:cNvPr id="12" name="Arrow: Right 11">
+      </p:cxnSp>
+      <p:cxnSp>
+        <p:nvCxnSpPr>
+          <p:cNvPr id="32" name="Connector: Elbow 31">
             <a:extLst>
               <a:ext uri="{FF2B5EF4-FFF2-40B4-BE49-F238E27FC236}">
-                <a16:creationId xmlns:a16="http://schemas.microsoft.com/office/drawing/2014/main" id="{67E0D9D4-7AA2-5119-9481-A5CFF4A8D919}"/>
+                <a16:creationId xmlns:a16="http://schemas.microsoft.com/office/drawing/2014/main" id="{E62002F3-BFBB-30D1-6182-9E5C479A73EC}"/>
               </a:ext>
             </a:extLst>
           </p:cNvPr>
-          <p:cNvSpPr/>
+          <p:cNvCxnSpPr>
+            <a:cxnSpLocks/>
+            <a:stCxn id="9" idx="2"/>
+            <a:endCxn id="10" idx="0"/>
+          </p:cNvCxnSpPr>
           <p:nvPr/>
-        </p:nvSpPr>
+        </p:nvCxnSpPr>
         <p:spPr>
-          <a:xfrm>
-            <a:off x="9045054" y="4672084"/>
-            <a:ext cx="1699146" cy="1219200"/>
+          <a:xfrm rot="5400000">
+            <a:off x="1788462" y="7733893"/>
+            <a:ext cx="585933" cy="12700"/>
           </a:xfrm>
-          <a:prstGeom prst="rightArrow">
-            <a:avLst/>
+          <a:prstGeom prst="bentConnector3">
+            <a:avLst>
+              <a:gd name="adj1" fmla="val 50000"/>
+            </a:avLst>
           </a:prstGeom>
+          <a:ln w="76200">
+            <a:tailEnd type="triangle"/>
+          </a:ln>
         </p:spPr>
         <p:style>
-          <a:lnRef idx="2">
-            <a:schemeClr val="accent1">
-              <a:shade val="15000"/>
-            </a:schemeClr>
+          <a:lnRef idx="1">
+            <a:schemeClr val="accent1"/>
           </a:lnRef>
-          <a:fillRef idx="1">
+          <a:fillRef idx="0">
             <a:schemeClr val="accent1"/>
           </a:fillRef>
           <a:effectRef idx="0">
             <a:schemeClr val="accent1"/>
           </a:effectRef>
           <a:fontRef idx="minor">
-            <a:schemeClr val="lt1"/>
+            <a:schemeClr val="tx1"/>
           </a:fontRef>
         </p:style>
-        <p:txBody>
-          <a:bodyPr rtlCol="0" anchor="ctr"/>
-          <a:lstStyle/>
-          <a:p>
-            <a:pPr algn="ctr"/>
-            <a:endParaRPr lang="vi-VN"/>
-          </a:p>
-        </p:txBody>
-      </p:sp>
-      <p:sp>
-        <p:nvSpPr>
-          <p:cNvPr id="13" name="Arrow: Right 12">
+      </p:cxnSp>
+      <p:cxnSp>
+        <p:nvCxnSpPr>
+          <p:cNvPr id="19" name="Connector: Elbow 18">
             <a:extLst>
               <a:ext uri="{FF2B5EF4-FFF2-40B4-BE49-F238E27FC236}">
-                <a16:creationId xmlns:a16="http://schemas.microsoft.com/office/drawing/2014/main" id="{7E275168-E21E-BBA9-2803-CD03701EE35D}"/>
+                <a16:creationId xmlns:a16="http://schemas.microsoft.com/office/drawing/2014/main" id="{2495F7C0-2ECD-4428-4DCB-041B2B79386C}"/>
               </a:ext>
             </a:extLst>
           </p:cNvPr>
-          <p:cNvSpPr/>
+          <p:cNvCxnSpPr>
+            <a:cxnSpLocks/>
+            <a:stCxn id="10" idx="3"/>
+            <a:endCxn id="9" idx="3"/>
+          </p:cNvCxnSpPr>
           <p:nvPr/>
-        </p:nvSpPr>
+        </p:nvCxnSpPr>
         <p:spPr>
-          <a:xfrm>
-            <a:off x="4305300" y="4720769"/>
-            <a:ext cx="2362200" cy="1219200"/>
+          <a:xfrm flipV="1">
+            <a:off x="3110127" y="6870857"/>
+            <a:ext cx="12700" cy="1626027"/>
           </a:xfrm>
-          <a:prstGeom prst="rightArrow">
-            <a:avLst/>
+          <a:prstGeom prst="bentConnector3">
+            <a:avLst>
+              <a:gd name="adj1" fmla="val 13083583"/>
+            </a:avLst>
           </a:prstGeom>
+          <a:ln w="76200">
+            <a:tailEnd type="triangle"/>
+          </a:ln>
         </p:spPr>
         <p:style>
-          <a:lnRef idx="2">
-            <a:schemeClr val="accent1">
-              <a:shade val="15000"/>
-            </a:schemeClr>
+          <a:lnRef idx="1">
+            <a:schemeClr val="accent1"/>
           </a:lnRef>
-          <a:fillRef idx="1">
+          <a:fillRef idx="0">
             <a:schemeClr val="accent1"/>
           </a:fillRef>
           <a:effectRef idx="0">
             <a:schemeClr val="accent1"/>
           </a:effectRef>
           <a:fontRef idx="minor">
-            <a:schemeClr val="lt1"/>
+            <a:schemeClr val="tx1"/>
           </a:fontRef>
         </p:style>
-        <p:txBody>
-          <a:bodyPr rtlCol="0" anchor="ctr"/>
-          <a:lstStyle/>
-          <a:p>
-            <a:pPr algn="ctr"/>
-            <a:endParaRPr lang="vi-VN"/>
-          </a:p>
-        </p:txBody>
-      </p:sp>
+      </p:cxnSp>
     </p:spTree>
   </p:cSld>
   <p:clrMapOvr>
@@ -6288,7 +6665,7 @@
         <p:spPr>
           <a:xfrm>
             <a:off x="7402687" y="2790724"/>
-            <a:ext cx="2819400" cy="369332"/>
+            <a:ext cx="2819400" cy="461665"/>
           </a:xfrm>
           <a:prstGeom prst="rect">
             <a:avLst/>
@@ -6303,7 +6680,7 @@
           <a:p>
             <a:pPr algn="ctr"/>
             <a:r>
-              <a:rPr lang="en-US" sz="1800" dirty="0">
+              <a:rPr lang="en-US" sz="2400" dirty="0">
                 <a:solidFill>
                   <a:srgbClr val="000000"/>
                 </a:solidFill>
@@ -6314,7 +6691,7 @@
               </a:rPr>
               <a:t>Skip strategy</a:t>
             </a:r>
-            <a:endParaRPr lang="vi-VN" dirty="0"/>
+            <a:endParaRPr lang="vi-VN" sz="2400" dirty="0"/>
           </a:p>
         </p:txBody>
       </p:sp>
@@ -6474,7 +6851,7 @@
         <p:spPr>
           <a:xfrm>
             <a:off x="1295400" y="2790724"/>
-            <a:ext cx="2819400" cy="369332"/>
+            <a:ext cx="2819400" cy="461665"/>
           </a:xfrm>
           <a:prstGeom prst="rect">
             <a:avLst/>
@@ -6489,7 +6866,7 @@
           <a:p>
             <a:pPr algn="ctr"/>
             <a:r>
-              <a:rPr lang="en-US" sz="1800" dirty="0">
+              <a:rPr lang="en-US" sz="2400" dirty="0">
                 <a:solidFill>
                   <a:srgbClr val="000000"/>
                 </a:solidFill>
@@ -6500,7 +6877,7 @@
               </a:rPr>
               <a:t>Dynamic search</a:t>
             </a:r>
-            <a:endParaRPr lang="vi-VN" dirty="0"/>
+            <a:endParaRPr lang="vi-VN" sz="2400" dirty="0"/>
           </a:p>
         </p:txBody>
       </p:sp>
@@ -6659,8 +7036,8 @@
         </p:nvSpPr>
         <p:spPr>
           <a:xfrm>
-            <a:off x="4610100" y="4958834"/>
-            <a:ext cx="2819400" cy="369332"/>
+            <a:off x="4526137" y="4912667"/>
+            <a:ext cx="3086100" cy="461665"/>
           </a:xfrm>
           <a:prstGeom prst="rect">
             <a:avLst/>
@@ -6675,7 +7052,7 @@
           <a:p>
             <a:pPr algn="ctr"/>
             <a:r>
-              <a:rPr lang="en-US" sz="1800" dirty="0" err="1">
+              <a:rPr lang="en-US" sz="2400" dirty="0" err="1">
                 <a:solidFill>
                   <a:srgbClr val="000000"/>
                 </a:solidFill>
@@ -6687,7 +7064,7 @@
               <a:t>Tiền</a:t>
             </a:r>
             <a:r>
-              <a:rPr lang="en-US" sz="1800" dirty="0">
+              <a:rPr lang="en-US" sz="2400" dirty="0">
                 <a:solidFill>
                   <a:srgbClr val="000000"/>
                 </a:solidFill>
@@ -6699,7 +7076,7 @@
               <a:t> </a:t>
             </a:r>
             <a:r>
-              <a:rPr lang="en-US" sz="1800" dirty="0" err="1">
+              <a:rPr lang="en-US" sz="2400" dirty="0" err="1">
                 <a:solidFill>
                   <a:srgbClr val="000000"/>
                 </a:solidFill>
@@ -6711,7 +7088,7 @@
               <a:t>xư</a:t>
             </a:r>
             <a:r>
-              <a:rPr lang="en-US" sz="1800" dirty="0">
+              <a:rPr lang="en-US" sz="2400" dirty="0">
                 <a:solidFill>
                   <a:srgbClr val="000000"/>
                 </a:solidFill>
@@ -6723,7 +7100,7 @@
               <a:t>̉ </a:t>
             </a:r>
             <a:r>
-              <a:rPr lang="en-US" sz="1800" dirty="0" err="1">
+              <a:rPr lang="en-US" sz="2400" dirty="0" err="1">
                 <a:solidFill>
                   <a:srgbClr val="000000"/>
                 </a:solidFill>
@@ -6735,7 +7112,7 @@
               <a:t>ly</a:t>
             </a:r>
             <a:r>
-              <a:rPr lang="en-US" sz="1800" dirty="0">
+              <a:rPr lang="en-US" sz="2400" dirty="0">
                 <a:solidFill>
                   <a:srgbClr val="000000"/>
                 </a:solidFill>
@@ -6747,7 +7124,7 @@
               <a:t>́ </a:t>
             </a:r>
             <a:r>
-              <a:rPr lang="en-US" sz="1800" dirty="0" err="1">
+              <a:rPr lang="en-US" sz="2400" dirty="0" err="1">
                 <a:solidFill>
                   <a:srgbClr val="000000"/>
                 </a:solidFill>
@@ -6759,7 +7136,7 @@
               <a:t>thuật</a:t>
             </a:r>
             <a:r>
-              <a:rPr lang="en-US" sz="1800" dirty="0">
+              <a:rPr lang="en-US" sz="2400" dirty="0">
                 <a:solidFill>
                   <a:srgbClr val="000000"/>
                 </a:solidFill>
@@ -6771,7 +7148,7 @@
               <a:t> </a:t>
             </a:r>
             <a:r>
-              <a:rPr lang="en-US" sz="1800" dirty="0" err="1">
+              <a:rPr lang="en-US" sz="2400" dirty="0" err="1">
                 <a:solidFill>
                   <a:srgbClr val="000000"/>
                 </a:solidFill>
@@ -6782,7 +7159,7 @@
               </a:rPr>
               <a:t>toán</a:t>
             </a:r>
-            <a:endParaRPr lang="vi-VN" dirty="0"/>
+            <a:endParaRPr lang="vi-VN" sz="2400" dirty="0"/>
           </a:p>
         </p:txBody>
       </p:sp>
@@ -6858,33 +7235,15 @@
                                   </p:childTnLst>
                                 </p:cTn>
                               </p:par>
-                            </p:childTnLst>
-                          </p:cTn>
-                        </p:par>
-                      </p:childTnLst>
-                    </p:cTn>
-                  </p:par>
-                  <p:par>
-                    <p:cTn id="8" fill="hold">
-                      <p:stCondLst>
-                        <p:cond delay="indefinite"/>
-                      </p:stCondLst>
-                      <p:childTnLst>
-                        <p:par>
-                          <p:cTn id="9" fill="hold">
-                            <p:stCondLst>
-                              <p:cond delay="0"/>
-                            </p:stCondLst>
-                            <p:childTnLst>
                               <p:par>
-                                <p:cTn id="10" presetID="10" presetClass="entr" presetSubtype="0" fill="hold" nodeType="clickEffect">
+                                <p:cTn id="8" presetID="10" presetClass="entr" presetSubtype="0" fill="hold" nodeType="withEffect">
                                   <p:stCondLst>
                                     <p:cond delay="0"/>
                                   </p:stCondLst>
                                   <p:childTnLst>
                                     <p:set>
                                       <p:cBhvr>
-                                        <p:cTn id="11" dur="1" fill="hold">
+                                        <p:cTn id="9" dur="1" fill="hold">
                                           <p:stCondLst>
                                             <p:cond delay="0"/>
                                           </p:stCondLst>
@@ -6902,7 +7261,7 @@
                                     </p:set>
                                     <p:animEffect transition="in" filter="fade">
                                       <p:cBhvr>
-                                        <p:cTn id="12" dur="500"/>
+                                        <p:cTn id="10" dur="500"/>
                                         <p:tgtEl>
                                           <p:spTgt spid="7"/>
                                         </p:tgtEl>
@@ -6911,33 +7270,15 @@
                                   </p:childTnLst>
                                 </p:cTn>
                               </p:par>
-                            </p:childTnLst>
-                          </p:cTn>
-                        </p:par>
-                      </p:childTnLst>
-                    </p:cTn>
-                  </p:par>
-                  <p:par>
-                    <p:cTn id="13" fill="hold">
-                      <p:stCondLst>
-                        <p:cond delay="indefinite"/>
-                      </p:stCondLst>
-                      <p:childTnLst>
-                        <p:par>
-                          <p:cTn id="14" fill="hold">
-                            <p:stCondLst>
-                              <p:cond delay="0"/>
-                            </p:stCondLst>
-                            <p:childTnLst>
                               <p:par>
-                                <p:cTn id="15" presetID="10" presetClass="entr" presetSubtype="0" fill="hold" nodeType="clickEffect">
+                                <p:cTn id="11" presetID="10" presetClass="entr" presetSubtype="0" fill="hold" nodeType="withEffect">
                                   <p:stCondLst>
                                     <p:cond delay="0"/>
                                   </p:stCondLst>
                                   <p:childTnLst>
                                     <p:set>
                                       <p:cBhvr>
-                                        <p:cTn id="16" dur="1" fill="hold">
+                                        <p:cTn id="12" dur="1" fill="hold">
                                           <p:stCondLst>
                                             <p:cond delay="0"/>
                                           </p:stCondLst>
@@ -6955,7 +7296,7 @@
                                     </p:set>
                                     <p:animEffect transition="in" filter="fade">
                                       <p:cBhvr>
-                                        <p:cTn id="17" dur="500"/>
+                                        <p:cTn id="13" dur="500"/>
                                         <p:tgtEl>
                                           <p:spTgt spid="16"/>
                                         </p:tgtEl>
@@ -6965,14 +7306,14 @@
                                 </p:cTn>
                               </p:par>
                               <p:par>
-                                <p:cTn id="18" presetID="10" presetClass="entr" presetSubtype="0" fill="hold" grpId="0" nodeType="withEffect">
+                                <p:cTn id="14" presetID="10" presetClass="entr" presetSubtype="0" fill="hold" grpId="0" nodeType="withEffect">
                                   <p:stCondLst>
                                     <p:cond delay="0"/>
                                   </p:stCondLst>
                                   <p:childTnLst>
                                     <p:set>
                                       <p:cBhvr>
-                                        <p:cTn id="19" dur="1" fill="hold">
+                                        <p:cTn id="15" dur="1" fill="hold">
                                           <p:stCondLst>
                                             <p:cond delay="0"/>
                                           </p:stCondLst>
@@ -6990,7 +7331,7 @@
                                     </p:set>
                                     <p:animEffect transition="in" filter="fade">
                                       <p:cBhvr>
-                                        <p:cTn id="20" dur="500"/>
+                                        <p:cTn id="16" dur="500"/>
                                         <p:tgtEl>
                                           <p:spTgt spid="15"/>
                                         </p:tgtEl>
@@ -7000,14 +7341,14 @@
                                 </p:cTn>
                               </p:par>
                               <p:par>
-                                <p:cTn id="21" presetID="10" presetClass="entr" presetSubtype="0" fill="hold" grpId="0" nodeType="withEffect">
+                                <p:cTn id="17" presetID="10" presetClass="entr" presetSubtype="0" fill="hold" grpId="0" nodeType="withEffect">
                                   <p:stCondLst>
                                     <p:cond delay="0"/>
                                   </p:stCondLst>
                                   <p:childTnLst>
                                     <p:set>
                                       <p:cBhvr>
-                                        <p:cTn id="22" dur="1" fill="hold">
+                                        <p:cTn id="18" dur="1" fill="hold">
                                           <p:stCondLst>
                                             <p:cond delay="0"/>
                                           </p:stCondLst>
@@ -7025,7 +7366,7 @@
                                     </p:set>
                                     <p:animEffect transition="in" filter="fade">
                                       <p:cBhvr>
-                                        <p:cTn id="23" dur="500"/>
+                                        <p:cTn id="19" dur="500"/>
                                         <p:tgtEl>
                                           <p:spTgt spid="11"/>
                                         </p:tgtEl>
@@ -7035,14 +7376,14 @@
                                 </p:cTn>
                               </p:par>
                               <p:par>
-                                <p:cTn id="24" presetID="10" presetClass="entr" presetSubtype="0" fill="hold" grpId="0" nodeType="withEffect">
+                                <p:cTn id="20" presetID="10" presetClass="entr" presetSubtype="0" fill="hold" grpId="0" nodeType="withEffect">
                                   <p:stCondLst>
                                     <p:cond delay="0"/>
                                   </p:stCondLst>
                                   <p:childTnLst>
                                     <p:set>
                                       <p:cBhvr>
-                                        <p:cTn id="25" dur="1" fill="hold">
+                                        <p:cTn id="21" dur="1" fill="hold">
                                           <p:stCondLst>
                                             <p:cond delay="0"/>
                                           </p:stCondLst>
@@ -7060,7 +7401,7 @@
                                     </p:set>
                                     <p:animEffect transition="in" filter="fade">
                                       <p:cBhvr>
-                                        <p:cTn id="26" dur="500"/>
+                                        <p:cTn id="22" dur="500"/>
                                         <p:tgtEl>
                                           <p:spTgt spid="19"/>
                                         </p:tgtEl>
@@ -7864,8 +8205,8 @@
         </p:nvSpPr>
         <p:spPr>
           <a:xfrm>
-            <a:off x="8077201" y="3543300"/>
-            <a:ext cx="1828799" cy="1447800"/>
+            <a:off x="8077201" y="4305300"/>
+            <a:ext cx="1828799" cy="685800"/>
           </a:xfrm>
           <a:prstGeom prst="rightArrow">
             <a:avLst/>
@@ -7893,6 +8234,70 @@
           <a:p>
             <a:pPr algn="ctr"/>
             <a:endParaRPr lang="vi-VN"/>
+          </a:p>
+        </p:txBody>
+      </p:sp>
+      <p:sp>
+        <p:nvSpPr>
+          <p:cNvPr id="4" name="TextBox 3">
+            <a:extLst>
+              <a:ext uri="{FF2B5EF4-FFF2-40B4-BE49-F238E27FC236}">
+                <a16:creationId xmlns:a16="http://schemas.microsoft.com/office/drawing/2014/main" id="{1C81AD29-5BDA-2A11-5C7E-9AA1F8331D47}"/>
+              </a:ext>
+            </a:extLst>
+          </p:cNvPr>
+          <p:cNvSpPr txBox="1"/>
+          <p:nvPr/>
+        </p:nvSpPr>
+        <p:spPr>
+          <a:xfrm>
+            <a:off x="7022265" y="9449339"/>
+            <a:ext cx="4243469" cy="369332"/>
+          </a:xfrm>
+          <a:prstGeom prst="rect">
+            <a:avLst/>
+          </a:prstGeom>
+          <a:noFill/>
+        </p:spPr>
+        <p:txBody>
+          <a:bodyPr wrap="none" rtlCol="0">
+            <a:spAutoFit/>
+          </a:bodyPr>
+          <a:lstStyle/>
+          <a:p>
+            <a:r>
+              <a:rPr lang="en-US" sz="1800" dirty="0">
+                <a:effectLst/>
+                <a:latin typeface="Times New Roman" panose="02020603050405020304" pitchFamily="18" charset="0"/>
+                <a:ea typeface="Calibri" panose="020F0502020204030204" pitchFamily="34" charset="0"/>
+                <a:cs typeface="Times New Roman" panose="02020603050405020304" pitchFamily="18" charset="0"/>
+              </a:rPr>
+              <a:t>(Fournier-</a:t>
+            </a:r>
+            <a:r>
+              <a:rPr lang="en-US" sz="1800" dirty="0" err="1">
+                <a:effectLst/>
+                <a:latin typeface="Times New Roman" panose="02020603050405020304" pitchFamily="18" charset="0"/>
+                <a:ea typeface="Calibri" panose="020F0502020204030204" pitchFamily="34" charset="0"/>
+                <a:cs typeface="Times New Roman" panose="02020603050405020304" pitchFamily="18" charset="0"/>
+              </a:rPr>
+              <a:t>Viger</a:t>
+            </a:r>
+            <a:r>
+              <a:rPr lang="en-US" sz="1800" dirty="0">
+                <a:effectLst/>
+                <a:latin typeface="Times New Roman" panose="02020603050405020304" pitchFamily="18" charset="0"/>
+                <a:ea typeface="Calibri" panose="020F0502020204030204" pitchFamily="34" charset="0"/>
+                <a:cs typeface="Times New Roman" panose="02020603050405020304" pitchFamily="18" charset="0"/>
+              </a:rPr>
+              <a:t>, He, Lin, &amp; Gomes, 2020)</a:t>
+            </a:r>
+            <a:endParaRPr lang="vi-VN" sz="1800" dirty="0">
+              <a:effectLst/>
+              <a:latin typeface="Times New Roman" panose="02020603050405020304" pitchFamily="18" charset="0"/>
+              <a:ea typeface="Calibri" panose="020F0502020204030204" pitchFamily="34" charset="0"/>
+              <a:cs typeface="Times New Roman" panose="02020603050405020304" pitchFamily="18" charset="0"/>
+            </a:endParaRPr>
           </a:p>
         </p:txBody>
       </p:sp>
@@ -9875,6 +10280,70 @@
           </a:prstGeom>
         </p:spPr>
       </p:pic>
+      <p:sp>
+        <p:nvSpPr>
+          <p:cNvPr id="7" name="TextBox 6">
+            <a:extLst>
+              <a:ext uri="{FF2B5EF4-FFF2-40B4-BE49-F238E27FC236}">
+                <a16:creationId xmlns:a16="http://schemas.microsoft.com/office/drawing/2014/main" id="{91A3CD86-40A2-F580-FD0B-D585BAFA793E}"/>
+              </a:ext>
+            </a:extLst>
+          </p:cNvPr>
+          <p:cNvSpPr txBox="1"/>
+          <p:nvPr/>
+        </p:nvSpPr>
+        <p:spPr>
+          <a:xfrm>
+            <a:off x="7022265" y="9449339"/>
+            <a:ext cx="4243469" cy="369332"/>
+          </a:xfrm>
+          <a:prstGeom prst="rect">
+            <a:avLst/>
+          </a:prstGeom>
+          <a:noFill/>
+        </p:spPr>
+        <p:txBody>
+          <a:bodyPr wrap="none" rtlCol="0">
+            <a:spAutoFit/>
+          </a:bodyPr>
+          <a:lstStyle/>
+          <a:p>
+            <a:r>
+              <a:rPr lang="en-US" sz="1800" dirty="0">
+                <a:effectLst/>
+                <a:latin typeface="Times New Roman" panose="02020603050405020304" pitchFamily="18" charset="0"/>
+                <a:ea typeface="Calibri" panose="020F0502020204030204" pitchFamily="34" charset="0"/>
+                <a:cs typeface="Times New Roman" panose="02020603050405020304" pitchFamily="18" charset="0"/>
+              </a:rPr>
+              <a:t>(Fournier-</a:t>
+            </a:r>
+            <a:r>
+              <a:rPr lang="en-US" sz="1800" dirty="0" err="1">
+                <a:effectLst/>
+                <a:latin typeface="Times New Roman" panose="02020603050405020304" pitchFamily="18" charset="0"/>
+                <a:ea typeface="Calibri" panose="020F0502020204030204" pitchFamily="34" charset="0"/>
+                <a:cs typeface="Times New Roman" panose="02020603050405020304" pitchFamily="18" charset="0"/>
+              </a:rPr>
+              <a:t>Viger</a:t>
+            </a:r>
+            <a:r>
+              <a:rPr lang="en-US" sz="1800" dirty="0">
+                <a:effectLst/>
+                <a:latin typeface="Times New Roman" panose="02020603050405020304" pitchFamily="18" charset="0"/>
+                <a:ea typeface="Calibri" panose="020F0502020204030204" pitchFamily="34" charset="0"/>
+                <a:cs typeface="Times New Roman" panose="02020603050405020304" pitchFamily="18" charset="0"/>
+              </a:rPr>
+              <a:t>, He, Lin, &amp; Gomes, 2020)</a:t>
+            </a:r>
+            <a:endParaRPr lang="vi-VN" sz="1800" dirty="0">
+              <a:effectLst/>
+              <a:latin typeface="Times New Roman" panose="02020603050405020304" pitchFamily="18" charset="0"/>
+              <a:ea typeface="Calibri" panose="020F0502020204030204" pitchFamily="34" charset="0"/>
+              <a:cs typeface="Times New Roman" panose="02020603050405020304" pitchFamily="18" charset="0"/>
+            </a:endParaRPr>
+          </a:p>
+        </p:txBody>
+      </p:sp>
     </p:spTree>
     <p:extLst>
       <p:ext uri="{BB962C8B-B14F-4D97-AF65-F5344CB8AC3E}">
@@ -9992,7 +10461,7 @@
                 <a:cs typeface="Roboto Bold"/>
                 <a:sym typeface="Roboto Bold"/>
               </a:rPr>
-              <a:t> AER</a:t>
+              <a:t> AER (Attribute Evolution Rules)</a:t>
             </a:r>
           </a:p>
         </p:txBody>
@@ -10067,7 +10536,7 @@
         </p:blipFill>
         <p:spPr bwMode="auto">
           <a:xfrm>
-            <a:off x="16149954" y="190500"/>
+            <a:off x="16262787" y="0"/>
             <a:ext cx="1993026" cy="1101147"/>
           </a:xfrm>
           <a:prstGeom prst="rect">
@@ -10099,8 +10568,8 @@
         </p:nvSpPr>
         <p:spPr>
           <a:xfrm>
-            <a:off x="1981200" y="3349169"/>
-            <a:ext cx="2057400" cy="1219200"/>
+            <a:off x="1024002" y="3260967"/>
+            <a:ext cx="2057400" cy="803731"/>
           </a:xfrm>
           <a:prstGeom prst="rect">
             <a:avLst/>
@@ -10173,8 +10642,8 @@
         </p:nvSpPr>
         <p:spPr>
           <a:xfrm>
-            <a:off x="11254573" y="7505700"/>
-            <a:ext cx="2057400" cy="1219200"/>
+            <a:off x="3657600" y="7129363"/>
+            <a:ext cx="1676400" cy="803732"/>
           </a:xfrm>
           <a:prstGeom prst="rect">
             <a:avLst/>
@@ -10229,8 +10698,8 @@
         </p:nvSpPr>
         <p:spPr>
           <a:xfrm>
-            <a:off x="6846059" y="3349169"/>
-            <a:ext cx="2057400" cy="1219200"/>
+            <a:off x="1024002" y="4543891"/>
+            <a:ext cx="2057400" cy="803731"/>
           </a:xfrm>
           <a:prstGeom prst="rect">
             <a:avLst/>
@@ -10267,144 +10736,6 @@
       </p:sp>
       <p:sp>
         <p:nvSpPr>
-          <p:cNvPr id="11" name="Arrow: Right 10">
-            <a:extLst>
-              <a:ext uri="{FF2B5EF4-FFF2-40B4-BE49-F238E27FC236}">
-                <a16:creationId xmlns:a16="http://schemas.microsoft.com/office/drawing/2014/main" id="{041FFF1C-9344-7554-5745-40E4E55E48B0}"/>
-              </a:ext>
-            </a:extLst>
-          </p:cNvPr>
-          <p:cNvSpPr/>
-          <p:nvPr/>
-        </p:nvSpPr>
-        <p:spPr>
-          <a:xfrm rot="16200000">
-            <a:off x="10724986" y="5381028"/>
-            <a:ext cx="2629231" cy="1219200"/>
-          </a:xfrm>
-          <a:prstGeom prst="rightArrow">
-            <a:avLst/>
-          </a:prstGeom>
-        </p:spPr>
-        <p:style>
-          <a:lnRef idx="2">
-            <a:schemeClr val="accent1">
-              <a:shade val="15000"/>
-            </a:schemeClr>
-          </a:lnRef>
-          <a:fillRef idx="1">
-            <a:schemeClr val="accent1"/>
-          </a:fillRef>
-          <a:effectRef idx="0">
-            <a:schemeClr val="accent1"/>
-          </a:effectRef>
-          <a:fontRef idx="minor">
-            <a:schemeClr val="lt1"/>
-          </a:fontRef>
-        </p:style>
-        <p:txBody>
-          <a:bodyPr rtlCol="0" anchor="ctr"/>
-          <a:lstStyle/>
-          <a:p>
-            <a:pPr algn="ctr"/>
-            <a:endParaRPr lang="vi-VN"/>
-          </a:p>
-        </p:txBody>
-      </p:sp>
-      <p:sp>
-        <p:nvSpPr>
-          <p:cNvPr id="12" name="Arrow: Right 11">
-            <a:extLst>
-              <a:ext uri="{FF2B5EF4-FFF2-40B4-BE49-F238E27FC236}">
-                <a16:creationId xmlns:a16="http://schemas.microsoft.com/office/drawing/2014/main" id="{67E0D9D4-7AA2-5119-9481-A5CFF4A8D919}"/>
-              </a:ext>
-            </a:extLst>
-          </p:cNvPr>
-          <p:cNvSpPr/>
-          <p:nvPr/>
-        </p:nvSpPr>
-        <p:spPr>
-          <a:xfrm>
-            <a:off x="9145137" y="3391373"/>
-            <a:ext cx="1699146" cy="1219200"/>
-          </a:xfrm>
-          <a:prstGeom prst="rightArrow">
-            <a:avLst/>
-          </a:prstGeom>
-        </p:spPr>
-        <p:style>
-          <a:lnRef idx="2">
-            <a:schemeClr val="accent1">
-              <a:shade val="15000"/>
-            </a:schemeClr>
-          </a:lnRef>
-          <a:fillRef idx="1">
-            <a:schemeClr val="accent1"/>
-          </a:fillRef>
-          <a:effectRef idx="0">
-            <a:schemeClr val="accent1"/>
-          </a:effectRef>
-          <a:fontRef idx="minor">
-            <a:schemeClr val="lt1"/>
-          </a:fontRef>
-        </p:style>
-        <p:txBody>
-          <a:bodyPr rtlCol="0" anchor="ctr"/>
-          <a:lstStyle/>
-          <a:p>
-            <a:pPr algn="ctr"/>
-            <a:endParaRPr lang="vi-VN"/>
-          </a:p>
-        </p:txBody>
-      </p:sp>
-      <p:sp>
-        <p:nvSpPr>
-          <p:cNvPr id="13" name="Arrow: Right 12">
-            <a:extLst>
-              <a:ext uri="{FF2B5EF4-FFF2-40B4-BE49-F238E27FC236}">
-                <a16:creationId xmlns:a16="http://schemas.microsoft.com/office/drawing/2014/main" id="{7E275168-E21E-BBA9-2803-CD03701EE35D}"/>
-              </a:ext>
-            </a:extLst>
-          </p:cNvPr>
-          <p:cNvSpPr/>
-          <p:nvPr/>
-        </p:nvSpPr>
-        <p:spPr>
-          <a:xfrm>
-            <a:off x="4315247" y="3349169"/>
-            <a:ext cx="2362200" cy="1219200"/>
-          </a:xfrm>
-          <a:prstGeom prst="rightArrow">
-            <a:avLst/>
-          </a:prstGeom>
-        </p:spPr>
-        <p:style>
-          <a:lnRef idx="2">
-            <a:schemeClr val="accent1">
-              <a:shade val="15000"/>
-            </a:schemeClr>
-          </a:lnRef>
-          <a:fillRef idx="1">
-            <a:schemeClr val="accent1"/>
-          </a:fillRef>
-          <a:effectRef idx="0">
-            <a:schemeClr val="accent1"/>
-          </a:effectRef>
-          <a:fontRef idx="minor">
-            <a:schemeClr val="lt1"/>
-          </a:fontRef>
-        </p:style>
-        <p:txBody>
-          <a:bodyPr rtlCol="0" anchor="ctr"/>
-          <a:lstStyle/>
-          <a:p>
-            <a:pPr algn="ctr"/>
-            <a:endParaRPr lang="vi-VN"/>
-          </a:p>
-        </p:txBody>
-      </p:sp>
-      <p:sp>
-        <p:nvSpPr>
           <p:cNvPr id="14" name="Rectangle 13">
             <a:extLst>
               <a:ext uri="{FF2B5EF4-FFF2-40B4-BE49-F238E27FC236}">
@@ -10417,8 +10748,8 @@
         </p:nvSpPr>
         <p:spPr>
           <a:xfrm>
-            <a:off x="11010901" y="3426157"/>
-            <a:ext cx="2057400" cy="1219200"/>
+            <a:off x="1024002" y="5826815"/>
+            <a:ext cx="2057400" cy="803732"/>
           </a:xfrm>
           <a:prstGeom prst="rect">
             <a:avLst/>
@@ -10529,8 +10860,8 @@
         </p:nvSpPr>
         <p:spPr>
           <a:xfrm>
-            <a:off x="15080774" y="3439805"/>
-            <a:ext cx="2057400" cy="1219200"/>
+            <a:off x="1047448" y="7109740"/>
+            <a:ext cx="2057400" cy="803732"/>
           </a:xfrm>
           <a:prstGeom prst="rect">
             <a:avLst/>
@@ -10659,52 +10990,6 @@
           </a:p>
         </p:txBody>
       </p:sp>
-      <p:sp>
-        <p:nvSpPr>
-          <p:cNvPr id="16" name="Arrow: Right 15">
-            <a:extLst>
-              <a:ext uri="{FF2B5EF4-FFF2-40B4-BE49-F238E27FC236}">
-                <a16:creationId xmlns:a16="http://schemas.microsoft.com/office/drawing/2014/main" id="{E4451ABD-FD0B-E8AE-8B55-5873EAFE0178}"/>
-              </a:ext>
-            </a:extLst>
-          </p:cNvPr>
-          <p:cNvSpPr/>
-          <p:nvPr/>
-        </p:nvSpPr>
-        <p:spPr>
-          <a:xfrm>
-            <a:off x="13311973" y="3426157"/>
-            <a:ext cx="1663320" cy="1219200"/>
-          </a:xfrm>
-          <a:prstGeom prst="rightArrow">
-            <a:avLst/>
-          </a:prstGeom>
-        </p:spPr>
-        <p:style>
-          <a:lnRef idx="2">
-            <a:schemeClr val="accent1">
-              <a:shade val="15000"/>
-            </a:schemeClr>
-          </a:lnRef>
-          <a:fillRef idx="1">
-            <a:schemeClr val="accent1"/>
-          </a:fillRef>
-          <a:effectRef idx="0">
-            <a:schemeClr val="accent1"/>
-          </a:effectRef>
-          <a:fontRef idx="minor">
-            <a:schemeClr val="lt1"/>
-          </a:fontRef>
-        </p:style>
-        <p:txBody>
-          <a:bodyPr rtlCol="0" anchor="ctr"/>
-          <a:lstStyle/>
-          <a:p>
-            <a:pPr algn="ctr"/>
-            <a:endParaRPr lang="vi-VN"/>
-          </a:p>
-        </p:txBody>
-      </p:sp>
       <p:cxnSp>
         <p:nvCxnSpPr>
           <p:cNvPr id="18" name="Connector: Elbow 17">
@@ -10717,14 +11002,288 @@
           <p:cNvCxnSpPr>
             <a:cxnSpLocks/>
             <a:stCxn id="15" idx="2"/>
-            <a:endCxn id="7" idx="3"/>
+            <a:endCxn id="7" idx="2"/>
+          </p:cNvCxnSpPr>
+          <p:nvPr/>
+        </p:nvCxnSpPr>
+        <p:spPr>
+          <a:xfrm rot="16200000" flipH="1">
+            <a:off x="3276163" y="6713457"/>
+            <a:ext cx="19623" cy="2419652"/>
+          </a:xfrm>
+          <a:prstGeom prst="bentConnector3">
+            <a:avLst>
+              <a:gd name="adj1" fmla="val 1264959"/>
+            </a:avLst>
+          </a:prstGeom>
+          <a:ln w="76200">
+            <a:tailEnd type="triangle"/>
+          </a:ln>
+        </p:spPr>
+        <p:style>
+          <a:lnRef idx="1">
+            <a:schemeClr val="accent1"/>
+          </a:lnRef>
+          <a:fillRef idx="0">
+            <a:schemeClr val="accent1"/>
+          </a:fillRef>
+          <a:effectRef idx="0">
+            <a:schemeClr val="accent1"/>
+          </a:effectRef>
+          <a:fontRef idx="minor">
+            <a:schemeClr val="tx1"/>
+          </a:fontRef>
+        </p:style>
+      </p:cxnSp>
+      <p:sp>
+        <p:nvSpPr>
+          <p:cNvPr id="4" name="TextBox 3">
+            <a:extLst>
+              <a:ext uri="{FF2B5EF4-FFF2-40B4-BE49-F238E27FC236}">
+                <a16:creationId xmlns:a16="http://schemas.microsoft.com/office/drawing/2014/main" id="{31F8468D-40BF-3807-D98B-5A7D5E8EDC4A}"/>
+              </a:ext>
+            </a:extLst>
+          </p:cNvPr>
+          <p:cNvSpPr txBox="1"/>
+          <p:nvPr/>
+        </p:nvSpPr>
+        <p:spPr>
+          <a:xfrm>
+            <a:off x="7022265" y="9449339"/>
+            <a:ext cx="4243469" cy="369332"/>
+          </a:xfrm>
+          <a:prstGeom prst="rect">
+            <a:avLst/>
+          </a:prstGeom>
+          <a:noFill/>
+        </p:spPr>
+        <p:txBody>
+          <a:bodyPr wrap="none" rtlCol="0">
+            <a:spAutoFit/>
+          </a:bodyPr>
+          <a:lstStyle/>
+          <a:p>
+            <a:r>
+              <a:rPr lang="en-US" sz="1800" dirty="0">
+                <a:effectLst/>
+                <a:latin typeface="Times New Roman" panose="02020603050405020304" pitchFamily="18" charset="0"/>
+                <a:ea typeface="Calibri" panose="020F0502020204030204" pitchFamily="34" charset="0"/>
+                <a:cs typeface="Times New Roman" panose="02020603050405020304" pitchFamily="18" charset="0"/>
+              </a:rPr>
+              <a:t>(Fournier-</a:t>
+            </a:r>
+            <a:r>
+              <a:rPr lang="en-US" sz="1800" dirty="0" err="1">
+                <a:effectLst/>
+                <a:latin typeface="Times New Roman" panose="02020603050405020304" pitchFamily="18" charset="0"/>
+                <a:ea typeface="Calibri" panose="020F0502020204030204" pitchFamily="34" charset="0"/>
+                <a:cs typeface="Times New Roman" panose="02020603050405020304" pitchFamily="18" charset="0"/>
+              </a:rPr>
+              <a:t>Viger</a:t>
+            </a:r>
+            <a:r>
+              <a:rPr lang="en-US" sz="1800" dirty="0">
+                <a:effectLst/>
+                <a:latin typeface="Times New Roman" panose="02020603050405020304" pitchFamily="18" charset="0"/>
+                <a:ea typeface="Calibri" panose="020F0502020204030204" pitchFamily="34" charset="0"/>
+                <a:cs typeface="Times New Roman" panose="02020603050405020304" pitchFamily="18" charset="0"/>
+              </a:rPr>
+              <a:t>, He, Lin, &amp; Gomes, 2020)</a:t>
+            </a:r>
+            <a:endParaRPr lang="vi-VN" sz="1800" dirty="0">
+              <a:effectLst/>
+              <a:latin typeface="Times New Roman" panose="02020603050405020304" pitchFamily="18" charset="0"/>
+              <a:ea typeface="Calibri" panose="020F0502020204030204" pitchFamily="34" charset="0"/>
+              <a:cs typeface="Times New Roman" panose="02020603050405020304" pitchFamily="18" charset="0"/>
+            </a:endParaRPr>
+          </a:p>
+        </p:txBody>
+      </p:sp>
+      <p:pic>
+        <p:nvPicPr>
+          <p:cNvPr id="9" name="Picture 8">
+            <a:extLst>
+              <a:ext uri="{FF2B5EF4-FFF2-40B4-BE49-F238E27FC236}">
+                <a16:creationId xmlns:a16="http://schemas.microsoft.com/office/drawing/2014/main" id="{93FDF52D-A1AC-3D8C-BFFB-F266408988DC}"/>
+              </a:ext>
+            </a:extLst>
+          </p:cNvPr>
+          <p:cNvPicPr>
+            <a:picLocks noChangeAspect="1"/>
+          </p:cNvPicPr>
+          <p:nvPr/>
+        </p:nvPicPr>
+        <p:blipFill>
+          <a:blip r:embed="rId3"/>
+          <a:stretch>
+            <a:fillRect/>
+          </a:stretch>
+        </p:blipFill>
+        <p:spPr>
+          <a:xfrm>
+            <a:off x="6358982" y="2127944"/>
+            <a:ext cx="11324824" cy="6931248"/>
+          </a:xfrm>
+          <a:prstGeom prst="rect">
+            <a:avLst/>
+          </a:prstGeom>
+        </p:spPr>
+      </p:pic>
+      <p:cxnSp>
+        <p:nvCxnSpPr>
+          <p:cNvPr id="30" name="Connector: Elbow 29">
+            <a:extLst>
+              <a:ext uri="{FF2B5EF4-FFF2-40B4-BE49-F238E27FC236}">
+                <a16:creationId xmlns:a16="http://schemas.microsoft.com/office/drawing/2014/main" id="{DD210FBE-5E59-9802-9E27-D3D1EC941F2D}"/>
+              </a:ext>
+            </a:extLst>
+          </p:cNvPr>
+          <p:cNvCxnSpPr>
+            <a:cxnSpLocks/>
+            <a:stCxn id="6" idx="2"/>
+            <a:endCxn id="8" idx="0"/>
           </p:cNvCxnSpPr>
           <p:nvPr/>
         </p:nvCxnSpPr>
         <p:spPr>
           <a:xfrm rot="5400000">
-            <a:off x="12982577" y="4988402"/>
-            <a:ext cx="3456295" cy="2797501"/>
+            <a:off x="1813106" y="4304294"/>
+            <a:ext cx="479193" cy="12700"/>
+          </a:xfrm>
+          <a:prstGeom prst="bentConnector3">
+            <a:avLst>
+              <a:gd name="adj1" fmla="val 50000"/>
+            </a:avLst>
+          </a:prstGeom>
+          <a:ln w="76200">
+            <a:tailEnd type="triangle"/>
+          </a:ln>
+        </p:spPr>
+        <p:style>
+          <a:lnRef idx="1">
+            <a:schemeClr val="accent1"/>
+          </a:lnRef>
+          <a:fillRef idx="0">
+            <a:schemeClr val="accent1"/>
+          </a:fillRef>
+          <a:effectRef idx="0">
+            <a:schemeClr val="accent1"/>
+          </a:effectRef>
+          <a:fontRef idx="minor">
+            <a:schemeClr val="tx1"/>
+          </a:fontRef>
+        </p:style>
+      </p:cxnSp>
+      <p:cxnSp>
+        <p:nvCxnSpPr>
+          <p:cNvPr id="35" name="Connector: Elbow 34">
+            <a:extLst>
+              <a:ext uri="{FF2B5EF4-FFF2-40B4-BE49-F238E27FC236}">
+                <a16:creationId xmlns:a16="http://schemas.microsoft.com/office/drawing/2014/main" id="{9109E135-3FC4-F6E2-0F23-9B7CAC61C6D1}"/>
+              </a:ext>
+            </a:extLst>
+          </p:cNvPr>
+          <p:cNvCxnSpPr>
+            <a:cxnSpLocks/>
+            <a:stCxn id="8" idx="2"/>
+            <a:endCxn id="14" idx="0"/>
+          </p:cNvCxnSpPr>
+          <p:nvPr/>
+        </p:nvCxnSpPr>
+        <p:spPr>
+          <a:xfrm rot="5400000">
+            <a:off x="1813106" y="5587218"/>
+            <a:ext cx="479193" cy="12700"/>
+          </a:xfrm>
+          <a:prstGeom prst="bentConnector3">
+            <a:avLst>
+              <a:gd name="adj1" fmla="val 50000"/>
+            </a:avLst>
+          </a:prstGeom>
+          <a:ln w="76200">
+            <a:tailEnd type="triangle"/>
+          </a:ln>
+        </p:spPr>
+        <p:style>
+          <a:lnRef idx="1">
+            <a:schemeClr val="accent1"/>
+          </a:lnRef>
+          <a:fillRef idx="0">
+            <a:schemeClr val="accent1"/>
+          </a:fillRef>
+          <a:effectRef idx="0">
+            <a:schemeClr val="accent1"/>
+          </a:effectRef>
+          <a:fontRef idx="minor">
+            <a:schemeClr val="tx1"/>
+          </a:fontRef>
+        </p:style>
+      </p:cxnSp>
+      <p:cxnSp>
+        <p:nvCxnSpPr>
+          <p:cNvPr id="39" name="Connector: Elbow 38">
+            <a:extLst>
+              <a:ext uri="{FF2B5EF4-FFF2-40B4-BE49-F238E27FC236}">
+                <a16:creationId xmlns:a16="http://schemas.microsoft.com/office/drawing/2014/main" id="{4C118825-8815-066B-C5A1-17848537A188}"/>
+              </a:ext>
+            </a:extLst>
+          </p:cNvPr>
+          <p:cNvCxnSpPr>
+            <a:cxnSpLocks/>
+            <a:stCxn id="14" idx="2"/>
+            <a:endCxn id="15" idx="0"/>
+          </p:cNvCxnSpPr>
+          <p:nvPr/>
+        </p:nvCxnSpPr>
+        <p:spPr>
+          <a:xfrm rot="16200000" flipH="1">
+            <a:off x="1824829" y="6858420"/>
+            <a:ext cx="479193" cy="23446"/>
+          </a:xfrm>
+          <a:prstGeom prst="bentConnector3">
+            <a:avLst>
+              <a:gd name="adj1" fmla="val 50000"/>
+            </a:avLst>
+          </a:prstGeom>
+          <a:ln w="76200">
+            <a:tailEnd type="triangle"/>
+          </a:ln>
+        </p:spPr>
+        <p:style>
+          <a:lnRef idx="1">
+            <a:schemeClr val="accent1"/>
+          </a:lnRef>
+          <a:fillRef idx="0">
+            <a:schemeClr val="accent1"/>
+          </a:fillRef>
+          <a:effectRef idx="0">
+            <a:schemeClr val="accent1"/>
+          </a:effectRef>
+          <a:fontRef idx="minor">
+            <a:schemeClr val="tx1"/>
+          </a:fontRef>
+        </p:style>
+      </p:cxnSp>
+      <p:cxnSp>
+        <p:nvCxnSpPr>
+          <p:cNvPr id="43" name="Connector: Elbow 42">
+            <a:extLst>
+              <a:ext uri="{FF2B5EF4-FFF2-40B4-BE49-F238E27FC236}">
+                <a16:creationId xmlns:a16="http://schemas.microsoft.com/office/drawing/2014/main" id="{18652463-6933-7D31-F20F-7E804DBD711B}"/>
+              </a:ext>
+            </a:extLst>
+          </p:cNvPr>
+          <p:cNvCxnSpPr>
+            <a:cxnSpLocks/>
+            <a:stCxn id="6" idx="3"/>
+            <a:endCxn id="7" idx="0"/>
+          </p:cNvCxnSpPr>
+          <p:nvPr/>
+        </p:nvCxnSpPr>
+        <p:spPr>
+          <a:xfrm>
+            <a:off x="3081402" y="3662833"/>
+            <a:ext cx="1414398" cy="3466530"/>
           </a:xfrm>
           <a:prstGeom prst="bentConnector2">
             <a:avLst/>
@@ -10748,56 +11307,55 @@
           </a:fontRef>
         </p:style>
       </p:cxnSp>
-      <p:sp>
-        <p:nvSpPr>
-          <p:cNvPr id="27" name="Arrow: Right 26">
+      <p:cxnSp>
+        <p:nvCxnSpPr>
+          <p:cNvPr id="47" name="Connector: Elbow 46">
             <a:extLst>
               <a:ext uri="{FF2B5EF4-FFF2-40B4-BE49-F238E27FC236}">
-                <a16:creationId xmlns:a16="http://schemas.microsoft.com/office/drawing/2014/main" id="{90F6942F-0901-5C5D-FDAD-FD8D08F9FCDB}"/>
+                <a16:creationId xmlns:a16="http://schemas.microsoft.com/office/drawing/2014/main" id="{F2739D80-DEBB-FBFC-1EDF-ABF02FD1B68A}"/>
               </a:ext>
             </a:extLst>
           </p:cNvPr>
-          <p:cNvSpPr/>
+          <p:cNvCxnSpPr>
+            <a:cxnSpLocks/>
+            <a:stCxn id="7" idx="1"/>
+            <a:endCxn id="14" idx="3"/>
+          </p:cNvCxnSpPr>
           <p:nvPr/>
-        </p:nvSpPr>
+        </p:nvCxnSpPr>
         <p:spPr>
-          <a:xfrm rot="1336705">
-            <a:off x="3706520" y="5716410"/>
-            <a:ext cx="7684442" cy="1219200"/>
+          <a:xfrm rot="10800000">
+            <a:off x="3081402" y="6228681"/>
+            <a:ext cx="576198" cy="1302548"/>
           </a:xfrm>
-          <a:prstGeom prst="rightArrow">
-            <a:avLst/>
+          <a:prstGeom prst="bentConnector3">
+            <a:avLst>
+              <a:gd name="adj1" fmla="val 50000"/>
+            </a:avLst>
           </a:prstGeom>
+          <a:ln w="76200">
+            <a:tailEnd type="triangle"/>
+          </a:ln>
         </p:spPr>
         <p:style>
-          <a:lnRef idx="2">
-            <a:schemeClr val="accent1">
-              <a:shade val="15000"/>
-            </a:schemeClr>
+          <a:lnRef idx="1">
+            <a:schemeClr val="accent1"/>
           </a:lnRef>
-          <a:fillRef idx="1">
+          <a:fillRef idx="0">
             <a:schemeClr val="accent1"/>
           </a:fillRef>
           <a:effectRef idx="0">
             <a:schemeClr val="accent1"/>
           </a:effectRef>
           <a:fontRef idx="minor">
-            <a:schemeClr val="lt1"/>
+            <a:schemeClr val="tx1"/>
           </a:fontRef>
         </p:style>
-        <p:txBody>
-          <a:bodyPr rtlCol="0" anchor="ctr"/>
-          <a:lstStyle/>
-          <a:p>
-            <a:pPr algn="ctr"/>
-            <a:endParaRPr lang="vi-VN"/>
-          </a:p>
-        </p:txBody>
-      </p:sp>
+      </p:cxnSp>
     </p:spTree>
     <p:extLst>
       <p:ext uri="{BB962C8B-B14F-4D97-AF65-F5344CB8AC3E}">
-        <p14:creationId xmlns:p14="http://schemas.microsoft.com/office/powerpoint/2010/main" val="3783072648"/>
+        <p14:creationId xmlns:p14="http://schemas.microsoft.com/office/powerpoint/2010/main" val="459567022"/>
       </p:ext>
     </p:extLst>
   </p:cSld>
@@ -11086,14 +11644,1038 @@
         </p:blipFill>
         <p:spPr>
           <a:xfrm>
-            <a:off x="1905000" y="2400300"/>
-            <a:ext cx="13732765" cy="7162800"/>
+            <a:off x="8042136" y="2609850"/>
+            <a:ext cx="9715201" cy="5067300"/>
           </a:xfrm>
           <a:prstGeom prst="rect">
             <a:avLst/>
           </a:prstGeom>
         </p:spPr>
       </p:pic>
+      <p:graphicFrame>
+        <p:nvGraphicFramePr>
+          <p:cNvPr id="6" name="Table 5">
+            <a:extLst>
+              <a:ext uri="{FF2B5EF4-FFF2-40B4-BE49-F238E27FC236}">
+                <a16:creationId xmlns:a16="http://schemas.microsoft.com/office/drawing/2014/main" id="{82248895-49A6-5235-EAC3-CBB9DB7D2952}"/>
+              </a:ext>
+            </a:extLst>
+          </p:cNvPr>
+          <p:cNvGraphicFramePr>
+            <a:graphicFrameLocks noGrp="1"/>
+          </p:cNvGraphicFramePr>
+          <p:nvPr>
+            <p:extLst>
+              <p:ext uri="{D42A27DB-BD31-4B8C-83A1-F6EECF244321}">
+                <p14:modId xmlns:p14="http://schemas.microsoft.com/office/powerpoint/2010/main" val="1960756648"/>
+              </p:ext>
+            </p:extLst>
+          </p:nvPr>
+        </p:nvGraphicFramePr>
+        <p:xfrm>
+          <a:off x="251339" y="3086100"/>
+          <a:ext cx="7269721" cy="4419602"/>
+        </p:xfrm>
+        <a:graphic>
+          <a:graphicData uri="http://schemas.openxmlformats.org/drawingml/2006/table">
+            <a:tbl>
+              <a:tblPr firstRow="1" firstCol="1" bandRow="1">
+                <a:tableStyleId>{5C22544A-7EE6-4342-B048-85BDC9FD1C3A}</a:tableStyleId>
+              </a:tblPr>
+              <a:tblGrid>
+                <a:gridCol w="1432078">
+                  <a:extLst>
+                    <a:ext uri="{9D8B030D-6E8A-4147-A177-3AD203B41FA5}">
+                      <a16:colId xmlns:a16="http://schemas.microsoft.com/office/drawing/2014/main" val="2293436298"/>
+                    </a:ext>
+                  </a:extLst>
+                </a:gridCol>
+                <a:gridCol w="4360010">
+                  <a:extLst>
+                    <a:ext uri="{9D8B030D-6E8A-4147-A177-3AD203B41FA5}">
+                      <a16:colId xmlns:a16="http://schemas.microsoft.com/office/drawing/2014/main" val="1720528294"/>
+                    </a:ext>
+                  </a:extLst>
+                </a:gridCol>
+                <a:gridCol w="1477633">
+                  <a:extLst>
+                    <a:ext uri="{9D8B030D-6E8A-4147-A177-3AD203B41FA5}">
+                      <a16:colId xmlns:a16="http://schemas.microsoft.com/office/drawing/2014/main" val="571248361"/>
+                    </a:ext>
+                  </a:extLst>
+                </a:gridCol>
+              </a:tblGrid>
+              <a:tr h="803564">
+                <a:tc>
+                  <a:txBody>
+                    <a:bodyPr/>
+                    <a:lstStyle/>
+                    <a:p>
+                      <a:pPr algn="ctr">
+                        <a:spcBef>
+                          <a:spcPts val="600"/>
+                        </a:spcBef>
+                        <a:spcAft>
+                          <a:spcPts val="600"/>
+                        </a:spcAft>
+                      </a:pPr>
+                      <a:r>
+                        <a:rPr lang="en-US" sz="1300">
+                          <a:effectLst/>
+                        </a:rPr>
+                        <a:t>Số dòng giao dịch</a:t>
+                      </a:r>
+                      <a:endParaRPr lang="vi-VN" sz="1300">
+                        <a:effectLst/>
+                        <a:latin typeface="Times New Roman" panose="02020603050405020304" pitchFamily="18" charset="0"/>
+                        <a:ea typeface="Calibri" panose="020F0502020204030204" pitchFamily="34" charset="0"/>
+                        <a:cs typeface="Times New Roman" panose="02020603050405020304" pitchFamily="18" charset="0"/>
+                      </a:endParaRPr>
+                    </a:p>
+                  </a:txBody>
+                  <a:tcPr marL="68580" marR="68580" marT="0" marB="0"/>
+                </a:tc>
+                <a:tc>
+                  <a:txBody>
+                    <a:bodyPr/>
+                    <a:lstStyle/>
+                    <a:p>
+                      <a:pPr algn="ctr">
+                        <a:spcBef>
+                          <a:spcPts val="600"/>
+                        </a:spcBef>
+                        <a:spcAft>
+                          <a:spcPts val="600"/>
+                        </a:spcAft>
+                      </a:pPr>
+                      <a:r>
+                        <a:rPr lang="en-US" sz="1300" dirty="0" err="1">
+                          <a:effectLst/>
+                        </a:rPr>
+                        <a:t>Tên</a:t>
+                      </a:r>
+                      <a:r>
+                        <a:rPr lang="en-US" sz="1300" dirty="0">
+                          <a:effectLst/>
+                        </a:rPr>
+                        <a:t> file CSV </a:t>
+                      </a:r>
+                      <a:r>
+                        <a:rPr lang="en-US" sz="1300" dirty="0" err="1">
+                          <a:effectLst/>
+                        </a:rPr>
+                        <a:t>đi</a:t>
+                      </a:r>
+                      <a:r>
+                        <a:rPr lang="en-US" sz="1300" dirty="0">
+                          <a:effectLst/>
+                        </a:rPr>
+                        <a:t> </a:t>
+                      </a:r>
+                      <a:r>
+                        <a:rPr lang="en-US" sz="1300" dirty="0" err="1">
+                          <a:effectLst/>
+                        </a:rPr>
+                        <a:t>kèm</a:t>
+                      </a:r>
+                      <a:endParaRPr lang="vi-VN" sz="1300" dirty="0">
+                        <a:effectLst/>
+                        <a:latin typeface="Times New Roman" panose="02020603050405020304" pitchFamily="18" charset="0"/>
+                        <a:ea typeface="Calibri" panose="020F0502020204030204" pitchFamily="34" charset="0"/>
+                        <a:cs typeface="Times New Roman" panose="02020603050405020304" pitchFamily="18" charset="0"/>
+                      </a:endParaRPr>
+                    </a:p>
+                  </a:txBody>
+                  <a:tcPr marL="68580" marR="68580" marT="0" marB="0"/>
+                </a:tc>
+                <a:tc>
+                  <a:txBody>
+                    <a:bodyPr/>
+                    <a:lstStyle/>
+                    <a:p>
+                      <a:pPr algn="ctr">
+                        <a:spcBef>
+                          <a:spcPts val="600"/>
+                        </a:spcBef>
+                        <a:spcAft>
+                          <a:spcPts val="600"/>
+                        </a:spcAft>
+                      </a:pPr>
+                      <a:r>
+                        <a:rPr lang="en-US" sz="1300">
+                          <a:effectLst/>
+                        </a:rPr>
+                        <a:t>Thời gian(s)</a:t>
+                      </a:r>
+                      <a:endParaRPr lang="vi-VN" sz="1300">
+                        <a:effectLst/>
+                        <a:latin typeface="Times New Roman" panose="02020603050405020304" pitchFamily="18" charset="0"/>
+                        <a:ea typeface="Calibri" panose="020F0502020204030204" pitchFamily="34" charset="0"/>
+                        <a:cs typeface="Times New Roman" panose="02020603050405020304" pitchFamily="18" charset="0"/>
+                      </a:endParaRPr>
+                    </a:p>
+                  </a:txBody>
+                  <a:tcPr marL="68580" marR="68580" marT="0" marB="0"/>
+                </a:tc>
+                <a:extLst>
+                  <a:ext uri="{0D108BD9-81ED-4DB2-BD59-A6C34878D82A}">
+                    <a16:rowId xmlns:a16="http://schemas.microsoft.com/office/drawing/2014/main" val="268408597"/>
+                  </a:ext>
+                </a:extLst>
+              </a:tr>
+              <a:tr h="401782">
+                <a:tc>
+                  <a:txBody>
+                    <a:bodyPr/>
+                    <a:lstStyle/>
+                    <a:p>
+                      <a:pPr algn="ctr">
+                        <a:spcBef>
+                          <a:spcPts val="600"/>
+                        </a:spcBef>
+                        <a:spcAft>
+                          <a:spcPts val="600"/>
+                        </a:spcAft>
+                      </a:pPr>
+                      <a:r>
+                        <a:rPr lang="en-US" sz="1300">
+                          <a:effectLst/>
+                        </a:rPr>
+                        <a:t>100</a:t>
+                      </a:r>
+                      <a:endParaRPr lang="vi-VN" sz="1300">
+                        <a:effectLst/>
+                        <a:latin typeface="Times New Roman" panose="02020603050405020304" pitchFamily="18" charset="0"/>
+                        <a:ea typeface="Calibri" panose="020F0502020204030204" pitchFamily="34" charset="0"/>
+                        <a:cs typeface="Times New Roman" panose="02020603050405020304" pitchFamily="18" charset="0"/>
+                      </a:endParaRPr>
+                    </a:p>
+                  </a:txBody>
+                  <a:tcPr marL="68580" marR="68580" marT="0" marB="0"/>
+                </a:tc>
+                <a:tc>
+                  <a:txBody>
+                    <a:bodyPr/>
+                    <a:lstStyle/>
+                    <a:p>
+                      <a:pPr algn="ctr">
+                        <a:spcBef>
+                          <a:spcPts val="600"/>
+                        </a:spcBef>
+                        <a:spcAft>
+                          <a:spcPts val="600"/>
+                        </a:spcAft>
+                      </a:pPr>
+                      <a:r>
+                        <a:rPr lang="en-US" sz="1300">
+                          <a:effectLst/>
+                        </a:rPr>
+                        <a:t>Mini_Retail_Transaction_Dataset.csv</a:t>
+                      </a:r>
+                      <a:endParaRPr lang="vi-VN" sz="1300">
+                        <a:effectLst/>
+                        <a:latin typeface="Times New Roman" panose="02020603050405020304" pitchFamily="18" charset="0"/>
+                        <a:ea typeface="Calibri" panose="020F0502020204030204" pitchFamily="34" charset="0"/>
+                        <a:cs typeface="Times New Roman" panose="02020603050405020304" pitchFamily="18" charset="0"/>
+                      </a:endParaRPr>
+                    </a:p>
+                  </a:txBody>
+                  <a:tcPr marL="68580" marR="68580" marT="0" marB="0"/>
+                </a:tc>
+                <a:tc>
+                  <a:txBody>
+                    <a:bodyPr/>
+                    <a:lstStyle/>
+                    <a:p>
+                      <a:pPr algn="ctr">
+                        <a:spcBef>
+                          <a:spcPts val="600"/>
+                        </a:spcBef>
+                        <a:spcAft>
+                          <a:spcPts val="600"/>
+                        </a:spcAft>
+                      </a:pPr>
+                      <a:r>
+                        <a:rPr lang="en-US" sz="1300">
+                          <a:effectLst/>
+                        </a:rPr>
+                        <a:t>1.73</a:t>
+                      </a:r>
+                      <a:endParaRPr lang="vi-VN" sz="1300">
+                        <a:effectLst/>
+                        <a:latin typeface="Times New Roman" panose="02020603050405020304" pitchFamily="18" charset="0"/>
+                        <a:ea typeface="Calibri" panose="020F0502020204030204" pitchFamily="34" charset="0"/>
+                        <a:cs typeface="Times New Roman" panose="02020603050405020304" pitchFamily="18" charset="0"/>
+                      </a:endParaRPr>
+                    </a:p>
+                  </a:txBody>
+                  <a:tcPr marL="68580" marR="68580" marT="0" marB="0"/>
+                </a:tc>
+                <a:extLst>
+                  <a:ext uri="{0D108BD9-81ED-4DB2-BD59-A6C34878D82A}">
+                    <a16:rowId xmlns:a16="http://schemas.microsoft.com/office/drawing/2014/main" val="122590557"/>
+                  </a:ext>
+                </a:extLst>
+              </a:tr>
+              <a:tr h="401782">
+                <a:tc>
+                  <a:txBody>
+                    <a:bodyPr/>
+                    <a:lstStyle/>
+                    <a:p>
+                      <a:pPr algn="ctr">
+                        <a:spcBef>
+                          <a:spcPts val="600"/>
+                        </a:spcBef>
+                        <a:spcAft>
+                          <a:spcPts val="600"/>
+                        </a:spcAft>
+                      </a:pPr>
+                      <a:r>
+                        <a:rPr lang="en-US" sz="1300">
+                          <a:effectLst/>
+                        </a:rPr>
+                        <a:t>200</a:t>
+                      </a:r>
+                      <a:endParaRPr lang="vi-VN" sz="1300">
+                        <a:effectLst/>
+                        <a:latin typeface="Times New Roman" panose="02020603050405020304" pitchFamily="18" charset="0"/>
+                        <a:ea typeface="Calibri" panose="020F0502020204030204" pitchFamily="34" charset="0"/>
+                        <a:cs typeface="Times New Roman" panose="02020603050405020304" pitchFamily="18" charset="0"/>
+                      </a:endParaRPr>
+                    </a:p>
+                  </a:txBody>
+                  <a:tcPr marL="68580" marR="68580" marT="0" marB="0"/>
+                </a:tc>
+                <a:tc>
+                  <a:txBody>
+                    <a:bodyPr/>
+                    <a:lstStyle/>
+                    <a:p>
+                      <a:pPr algn="ctr">
+                        <a:spcBef>
+                          <a:spcPts val="600"/>
+                        </a:spcBef>
+                        <a:spcAft>
+                          <a:spcPts val="600"/>
+                        </a:spcAft>
+                      </a:pPr>
+                      <a:r>
+                        <a:rPr lang="en-US" sz="1300">
+                          <a:effectLst/>
+                        </a:rPr>
+                        <a:t>Mini_200_Retail_Transaction_Dataset.csv</a:t>
+                      </a:r>
+                      <a:endParaRPr lang="vi-VN" sz="1300">
+                        <a:effectLst/>
+                        <a:latin typeface="Times New Roman" panose="02020603050405020304" pitchFamily="18" charset="0"/>
+                        <a:ea typeface="Calibri" panose="020F0502020204030204" pitchFamily="34" charset="0"/>
+                        <a:cs typeface="Times New Roman" panose="02020603050405020304" pitchFamily="18" charset="0"/>
+                      </a:endParaRPr>
+                    </a:p>
+                  </a:txBody>
+                  <a:tcPr marL="68580" marR="68580" marT="0" marB="0"/>
+                </a:tc>
+                <a:tc>
+                  <a:txBody>
+                    <a:bodyPr/>
+                    <a:lstStyle/>
+                    <a:p>
+                      <a:pPr algn="ctr">
+                        <a:spcBef>
+                          <a:spcPts val="600"/>
+                        </a:spcBef>
+                        <a:spcAft>
+                          <a:spcPts val="600"/>
+                        </a:spcAft>
+                      </a:pPr>
+                      <a:r>
+                        <a:rPr lang="en-US" sz="1300">
+                          <a:effectLst/>
+                        </a:rPr>
+                        <a:t>3.06</a:t>
+                      </a:r>
+                      <a:endParaRPr lang="vi-VN" sz="1300">
+                        <a:effectLst/>
+                        <a:latin typeface="Times New Roman" panose="02020603050405020304" pitchFamily="18" charset="0"/>
+                        <a:ea typeface="Calibri" panose="020F0502020204030204" pitchFamily="34" charset="0"/>
+                        <a:cs typeface="Times New Roman" panose="02020603050405020304" pitchFamily="18" charset="0"/>
+                      </a:endParaRPr>
+                    </a:p>
+                  </a:txBody>
+                  <a:tcPr marL="68580" marR="68580" marT="0" marB="0"/>
+                </a:tc>
+                <a:extLst>
+                  <a:ext uri="{0D108BD9-81ED-4DB2-BD59-A6C34878D82A}">
+                    <a16:rowId xmlns:a16="http://schemas.microsoft.com/office/drawing/2014/main" val="2762524967"/>
+                  </a:ext>
+                </a:extLst>
+              </a:tr>
+              <a:tr h="401782">
+                <a:tc>
+                  <a:txBody>
+                    <a:bodyPr/>
+                    <a:lstStyle/>
+                    <a:p>
+                      <a:pPr algn="ctr">
+                        <a:spcBef>
+                          <a:spcPts val="600"/>
+                        </a:spcBef>
+                        <a:spcAft>
+                          <a:spcPts val="600"/>
+                        </a:spcAft>
+                      </a:pPr>
+                      <a:r>
+                        <a:rPr lang="en-US" sz="1300">
+                          <a:effectLst/>
+                        </a:rPr>
+                        <a:t>300</a:t>
+                      </a:r>
+                      <a:endParaRPr lang="vi-VN" sz="1300">
+                        <a:effectLst/>
+                        <a:latin typeface="Times New Roman" panose="02020603050405020304" pitchFamily="18" charset="0"/>
+                        <a:ea typeface="Calibri" panose="020F0502020204030204" pitchFamily="34" charset="0"/>
+                        <a:cs typeface="Times New Roman" panose="02020603050405020304" pitchFamily="18" charset="0"/>
+                      </a:endParaRPr>
+                    </a:p>
+                  </a:txBody>
+                  <a:tcPr marL="68580" marR="68580" marT="0" marB="0"/>
+                </a:tc>
+                <a:tc>
+                  <a:txBody>
+                    <a:bodyPr/>
+                    <a:lstStyle/>
+                    <a:p>
+                      <a:pPr algn="ctr">
+                        <a:spcBef>
+                          <a:spcPts val="600"/>
+                        </a:spcBef>
+                        <a:spcAft>
+                          <a:spcPts val="600"/>
+                        </a:spcAft>
+                      </a:pPr>
+                      <a:r>
+                        <a:rPr lang="en-US" sz="1300">
+                          <a:effectLst/>
+                        </a:rPr>
+                        <a:t>Mini_300_Retail_Transaction_Dataset.csv</a:t>
+                      </a:r>
+                      <a:endParaRPr lang="vi-VN" sz="1300">
+                        <a:effectLst/>
+                        <a:latin typeface="Times New Roman" panose="02020603050405020304" pitchFamily="18" charset="0"/>
+                        <a:ea typeface="Calibri" panose="020F0502020204030204" pitchFamily="34" charset="0"/>
+                        <a:cs typeface="Times New Roman" panose="02020603050405020304" pitchFamily="18" charset="0"/>
+                      </a:endParaRPr>
+                    </a:p>
+                  </a:txBody>
+                  <a:tcPr marL="68580" marR="68580" marT="0" marB="0"/>
+                </a:tc>
+                <a:tc>
+                  <a:txBody>
+                    <a:bodyPr/>
+                    <a:lstStyle/>
+                    <a:p>
+                      <a:pPr algn="ctr">
+                        <a:spcBef>
+                          <a:spcPts val="600"/>
+                        </a:spcBef>
+                        <a:spcAft>
+                          <a:spcPts val="600"/>
+                        </a:spcAft>
+                      </a:pPr>
+                      <a:r>
+                        <a:rPr lang="en-US" sz="1300">
+                          <a:effectLst/>
+                        </a:rPr>
+                        <a:t>4.38</a:t>
+                      </a:r>
+                      <a:endParaRPr lang="vi-VN" sz="1300">
+                        <a:effectLst/>
+                        <a:latin typeface="Times New Roman" panose="02020603050405020304" pitchFamily="18" charset="0"/>
+                        <a:ea typeface="Calibri" panose="020F0502020204030204" pitchFamily="34" charset="0"/>
+                        <a:cs typeface="Times New Roman" panose="02020603050405020304" pitchFamily="18" charset="0"/>
+                      </a:endParaRPr>
+                    </a:p>
+                  </a:txBody>
+                  <a:tcPr marL="68580" marR="68580" marT="0" marB="0"/>
+                </a:tc>
+                <a:extLst>
+                  <a:ext uri="{0D108BD9-81ED-4DB2-BD59-A6C34878D82A}">
+                    <a16:rowId xmlns:a16="http://schemas.microsoft.com/office/drawing/2014/main" val="2980822673"/>
+                  </a:ext>
+                </a:extLst>
+              </a:tr>
+              <a:tr h="401782">
+                <a:tc>
+                  <a:txBody>
+                    <a:bodyPr/>
+                    <a:lstStyle/>
+                    <a:p>
+                      <a:pPr algn="ctr">
+                        <a:spcBef>
+                          <a:spcPts val="600"/>
+                        </a:spcBef>
+                        <a:spcAft>
+                          <a:spcPts val="600"/>
+                        </a:spcAft>
+                      </a:pPr>
+                      <a:r>
+                        <a:rPr lang="en-US" sz="1300">
+                          <a:effectLst/>
+                        </a:rPr>
+                        <a:t>400</a:t>
+                      </a:r>
+                      <a:endParaRPr lang="vi-VN" sz="1300">
+                        <a:effectLst/>
+                        <a:latin typeface="Times New Roman" panose="02020603050405020304" pitchFamily="18" charset="0"/>
+                        <a:ea typeface="Calibri" panose="020F0502020204030204" pitchFamily="34" charset="0"/>
+                        <a:cs typeface="Times New Roman" panose="02020603050405020304" pitchFamily="18" charset="0"/>
+                      </a:endParaRPr>
+                    </a:p>
+                  </a:txBody>
+                  <a:tcPr marL="68580" marR="68580" marT="0" marB="0"/>
+                </a:tc>
+                <a:tc>
+                  <a:txBody>
+                    <a:bodyPr/>
+                    <a:lstStyle/>
+                    <a:p>
+                      <a:pPr algn="ctr">
+                        <a:spcBef>
+                          <a:spcPts val="600"/>
+                        </a:spcBef>
+                        <a:spcAft>
+                          <a:spcPts val="600"/>
+                        </a:spcAft>
+                      </a:pPr>
+                      <a:r>
+                        <a:rPr lang="en-US" sz="1300">
+                          <a:effectLst/>
+                        </a:rPr>
+                        <a:t>Mini_400_Retail_Transaction_Dataset.csv</a:t>
+                      </a:r>
+                      <a:endParaRPr lang="vi-VN" sz="1300">
+                        <a:effectLst/>
+                        <a:latin typeface="Times New Roman" panose="02020603050405020304" pitchFamily="18" charset="0"/>
+                        <a:ea typeface="Calibri" panose="020F0502020204030204" pitchFamily="34" charset="0"/>
+                        <a:cs typeface="Times New Roman" panose="02020603050405020304" pitchFamily="18" charset="0"/>
+                      </a:endParaRPr>
+                    </a:p>
+                  </a:txBody>
+                  <a:tcPr marL="68580" marR="68580" marT="0" marB="0"/>
+                </a:tc>
+                <a:tc>
+                  <a:txBody>
+                    <a:bodyPr/>
+                    <a:lstStyle/>
+                    <a:p>
+                      <a:pPr algn="ctr">
+                        <a:spcBef>
+                          <a:spcPts val="600"/>
+                        </a:spcBef>
+                        <a:spcAft>
+                          <a:spcPts val="600"/>
+                        </a:spcAft>
+                      </a:pPr>
+                      <a:r>
+                        <a:rPr lang="en-US" sz="1300">
+                          <a:effectLst/>
+                        </a:rPr>
+                        <a:t>6.01</a:t>
+                      </a:r>
+                      <a:endParaRPr lang="vi-VN" sz="1300">
+                        <a:effectLst/>
+                        <a:latin typeface="Times New Roman" panose="02020603050405020304" pitchFamily="18" charset="0"/>
+                        <a:ea typeface="Calibri" panose="020F0502020204030204" pitchFamily="34" charset="0"/>
+                        <a:cs typeface="Times New Roman" panose="02020603050405020304" pitchFamily="18" charset="0"/>
+                      </a:endParaRPr>
+                    </a:p>
+                  </a:txBody>
+                  <a:tcPr marL="68580" marR="68580" marT="0" marB="0"/>
+                </a:tc>
+                <a:extLst>
+                  <a:ext uri="{0D108BD9-81ED-4DB2-BD59-A6C34878D82A}">
+                    <a16:rowId xmlns:a16="http://schemas.microsoft.com/office/drawing/2014/main" val="2564268116"/>
+                  </a:ext>
+                </a:extLst>
+              </a:tr>
+              <a:tr h="401782">
+                <a:tc>
+                  <a:txBody>
+                    <a:bodyPr/>
+                    <a:lstStyle/>
+                    <a:p>
+                      <a:pPr algn="ctr">
+                        <a:spcBef>
+                          <a:spcPts val="600"/>
+                        </a:spcBef>
+                        <a:spcAft>
+                          <a:spcPts val="600"/>
+                        </a:spcAft>
+                      </a:pPr>
+                      <a:r>
+                        <a:rPr lang="en-US" sz="1300">
+                          <a:effectLst/>
+                        </a:rPr>
+                        <a:t>500</a:t>
+                      </a:r>
+                      <a:endParaRPr lang="vi-VN" sz="1300">
+                        <a:effectLst/>
+                        <a:latin typeface="Times New Roman" panose="02020603050405020304" pitchFamily="18" charset="0"/>
+                        <a:ea typeface="Calibri" panose="020F0502020204030204" pitchFamily="34" charset="0"/>
+                        <a:cs typeface="Times New Roman" panose="02020603050405020304" pitchFamily="18" charset="0"/>
+                      </a:endParaRPr>
+                    </a:p>
+                  </a:txBody>
+                  <a:tcPr marL="68580" marR="68580" marT="0" marB="0"/>
+                </a:tc>
+                <a:tc>
+                  <a:txBody>
+                    <a:bodyPr/>
+                    <a:lstStyle/>
+                    <a:p>
+                      <a:pPr algn="ctr">
+                        <a:spcBef>
+                          <a:spcPts val="600"/>
+                        </a:spcBef>
+                        <a:spcAft>
+                          <a:spcPts val="600"/>
+                        </a:spcAft>
+                      </a:pPr>
+                      <a:r>
+                        <a:rPr lang="en-US" sz="1300">
+                          <a:effectLst/>
+                        </a:rPr>
+                        <a:t>Small_Retail_Transaction_Dataset.csv</a:t>
+                      </a:r>
+                      <a:endParaRPr lang="vi-VN" sz="1300">
+                        <a:effectLst/>
+                        <a:latin typeface="Times New Roman" panose="02020603050405020304" pitchFamily="18" charset="0"/>
+                        <a:ea typeface="Calibri" panose="020F0502020204030204" pitchFamily="34" charset="0"/>
+                        <a:cs typeface="Times New Roman" panose="02020603050405020304" pitchFamily="18" charset="0"/>
+                      </a:endParaRPr>
+                    </a:p>
+                  </a:txBody>
+                  <a:tcPr marL="68580" marR="68580" marT="0" marB="0"/>
+                </a:tc>
+                <a:tc>
+                  <a:txBody>
+                    <a:bodyPr/>
+                    <a:lstStyle/>
+                    <a:p>
+                      <a:pPr algn="ctr">
+                        <a:spcBef>
+                          <a:spcPts val="600"/>
+                        </a:spcBef>
+                        <a:spcAft>
+                          <a:spcPts val="600"/>
+                        </a:spcAft>
+                      </a:pPr>
+                      <a:r>
+                        <a:rPr lang="en-US" sz="1300">
+                          <a:effectLst/>
+                        </a:rPr>
+                        <a:t>7.04</a:t>
+                      </a:r>
+                      <a:endParaRPr lang="vi-VN" sz="1300">
+                        <a:effectLst/>
+                        <a:latin typeface="Times New Roman" panose="02020603050405020304" pitchFamily="18" charset="0"/>
+                        <a:ea typeface="Calibri" panose="020F0502020204030204" pitchFamily="34" charset="0"/>
+                        <a:cs typeface="Times New Roman" panose="02020603050405020304" pitchFamily="18" charset="0"/>
+                      </a:endParaRPr>
+                    </a:p>
+                  </a:txBody>
+                  <a:tcPr marL="68580" marR="68580" marT="0" marB="0"/>
+                </a:tc>
+                <a:extLst>
+                  <a:ext uri="{0D108BD9-81ED-4DB2-BD59-A6C34878D82A}">
+                    <a16:rowId xmlns:a16="http://schemas.microsoft.com/office/drawing/2014/main" val="3369526364"/>
+                  </a:ext>
+                </a:extLst>
+              </a:tr>
+              <a:tr h="401782">
+                <a:tc>
+                  <a:txBody>
+                    <a:bodyPr/>
+                    <a:lstStyle/>
+                    <a:p>
+                      <a:pPr algn="ctr">
+                        <a:spcBef>
+                          <a:spcPts val="600"/>
+                        </a:spcBef>
+                        <a:spcAft>
+                          <a:spcPts val="600"/>
+                        </a:spcAft>
+                      </a:pPr>
+                      <a:r>
+                        <a:rPr lang="en-US" sz="1300">
+                          <a:effectLst/>
+                        </a:rPr>
+                        <a:t>600</a:t>
+                      </a:r>
+                      <a:endParaRPr lang="vi-VN" sz="1300">
+                        <a:effectLst/>
+                        <a:latin typeface="Times New Roman" panose="02020603050405020304" pitchFamily="18" charset="0"/>
+                        <a:ea typeface="Calibri" panose="020F0502020204030204" pitchFamily="34" charset="0"/>
+                        <a:cs typeface="Times New Roman" panose="02020603050405020304" pitchFamily="18" charset="0"/>
+                      </a:endParaRPr>
+                    </a:p>
+                  </a:txBody>
+                  <a:tcPr marL="68580" marR="68580" marT="0" marB="0"/>
+                </a:tc>
+                <a:tc>
+                  <a:txBody>
+                    <a:bodyPr/>
+                    <a:lstStyle/>
+                    <a:p>
+                      <a:pPr algn="ctr">
+                        <a:spcBef>
+                          <a:spcPts val="600"/>
+                        </a:spcBef>
+                        <a:spcAft>
+                          <a:spcPts val="600"/>
+                        </a:spcAft>
+                      </a:pPr>
+                      <a:r>
+                        <a:rPr lang="en-US" sz="1300">
+                          <a:effectLst/>
+                        </a:rPr>
+                        <a:t>Small_600_Retail_Transaction_Dataset.csv</a:t>
+                      </a:r>
+                      <a:endParaRPr lang="vi-VN" sz="1300">
+                        <a:effectLst/>
+                        <a:latin typeface="Times New Roman" panose="02020603050405020304" pitchFamily="18" charset="0"/>
+                        <a:ea typeface="Calibri" panose="020F0502020204030204" pitchFamily="34" charset="0"/>
+                        <a:cs typeface="Times New Roman" panose="02020603050405020304" pitchFamily="18" charset="0"/>
+                      </a:endParaRPr>
+                    </a:p>
+                  </a:txBody>
+                  <a:tcPr marL="68580" marR="68580" marT="0" marB="0"/>
+                </a:tc>
+                <a:tc>
+                  <a:txBody>
+                    <a:bodyPr/>
+                    <a:lstStyle/>
+                    <a:p>
+                      <a:pPr algn="ctr">
+                        <a:spcBef>
+                          <a:spcPts val="600"/>
+                        </a:spcBef>
+                        <a:spcAft>
+                          <a:spcPts val="600"/>
+                        </a:spcAft>
+                      </a:pPr>
+                      <a:r>
+                        <a:rPr lang="en-US" sz="1300">
+                          <a:effectLst/>
+                        </a:rPr>
+                        <a:t>8.12</a:t>
+                      </a:r>
+                      <a:endParaRPr lang="vi-VN" sz="1300">
+                        <a:effectLst/>
+                        <a:latin typeface="Times New Roman" panose="02020603050405020304" pitchFamily="18" charset="0"/>
+                        <a:ea typeface="Calibri" panose="020F0502020204030204" pitchFamily="34" charset="0"/>
+                        <a:cs typeface="Times New Roman" panose="02020603050405020304" pitchFamily="18" charset="0"/>
+                      </a:endParaRPr>
+                    </a:p>
+                  </a:txBody>
+                  <a:tcPr marL="68580" marR="68580" marT="0" marB="0"/>
+                </a:tc>
+                <a:extLst>
+                  <a:ext uri="{0D108BD9-81ED-4DB2-BD59-A6C34878D82A}">
+                    <a16:rowId xmlns:a16="http://schemas.microsoft.com/office/drawing/2014/main" val="1095111246"/>
+                  </a:ext>
+                </a:extLst>
+              </a:tr>
+              <a:tr h="401782">
+                <a:tc>
+                  <a:txBody>
+                    <a:bodyPr/>
+                    <a:lstStyle/>
+                    <a:p>
+                      <a:pPr algn="ctr">
+                        <a:spcBef>
+                          <a:spcPts val="600"/>
+                        </a:spcBef>
+                        <a:spcAft>
+                          <a:spcPts val="600"/>
+                        </a:spcAft>
+                      </a:pPr>
+                      <a:r>
+                        <a:rPr lang="en-US" sz="1300">
+                          <a:effectLst/>
+                        </a:rPr>
+                        <a:t>1000</a:t>
+                      </a:r>
+                      <a:endParaRPr lang="vi-VN" sz="1300">
+                        <a:effectLst/>
+                        <a:latin typeface="Times New Roman" panose="02020603050405020304" pitchFamily="18" charset="0"/>
+                        <a:ea typeface="Calibri" panose="020F0502020204030204" pitchFamily="34" charset="0"/>
+                        <a:cs typeface="Times New Roman" panose="02020603050405020304" pitchFamily="18" charset="0"/>
+                      </a:endParaRPr>
+                    </a:p>
+                  </a:txBody>
+                  <a:tcPr marL="68580" marR="68580" marT="0" marB="0"/>
+                </a:tc>
+                <a:tc>
+                  <a:txBody>
+                    <a:bodyPr/>
+                    <a:lstStyle/>
+                    <a:p>
+                      <a:pPr algn="ctr">
+                        <a:spcBef>
+                          <a:spcPts val="600"/>
+                        </a:spcBef>
+                        <a:spcAft>
+                          <a:spcPts val="600"/>
+                        </a:spcAft>
+                      </a:pPr>
+                      <a:r>
+                        <a:rPr lang="en-US" sz="1300">
+                          <a:effectLst/>
+                        </a:rPr>
+                        <a:t>Medium_Small_Retail_Transaction_Dataset.csv</a:t>
+                      </a:r>
+                      <a:endParaRPr lang="vi-VN" sz="1300">
+                        <a:effectLst/>
+                        <a:latin typeface="Times New Roman" panose="02020603050405020304" pitchFamily="18" charset="0"/>
+                        <a:ea typeface="Calibri" panose="020F0502020204030204" pitchFamily="34" charset="0"/>
+                        <a:cs typeface="Times New Roman" panose="02020603050405020304" pitchFamily="18" charset="0"/>
+                      </a:endParaRPr>
+                    </a:p>
+                  </a:txBody>
+                  <a:tcPr marL="68580" marR="68580" marT="0" marB="0"/>
+                </a:tc>
+                <a:tc>
+                  <a:txBody>
+                    <a:bodyPr/>
+                    <a:lstStyle/>
+                    <a:p>
+                      <a:pPr algn="ctr">
+                        <a:spcBef>
+                          <a:spcPts val="600"/>
+                        </a:spcBef>
+                        <a:spcAft>
+                          <a:spcPts val="600"/>
+                        </a:spcAft>
+                      </a:pPr>
+                      <a:r>
+                        <a:rPr lang="en-US" sz="1300">
+                          <a:effectLst/>
+                        </a:rPr>
+                        <a:t>12.59</a:t>
+                      </a:r>
+                      <a:endParaRPr lang="vi-VN" sz="1300">
+                        <a:effectLst/>
+                        <a:latin typeface="Times New Roman" panose="02020603050405020304" pitchFamily="18" charset="0"/>
+                        <a:ea typeface="Calibri" panose="020F0502020204030204" pitchFamily="34" charset="0"/>
+                        <a:cs typeface="Times New Roman" panose="02020603050405020304" pitchFamily="18" charset="0"/>
+                      </a:endParaRPr>
+                    </a:p>
+                  </a:txBody>
+                  <a:tcPr marL="68580" marR="68580" marT="0" marB="0"/>
+                </a:tc>
+                <a:extLst>
+                  <a:ext uri="{0D108BD9-81ED-4DB2-BD59-A6C34878D82A}">
+                    <a16:rowId xmlns:a16="http://schemas.microsoft.com/office/drawing/2014/main" val="962718920"/>
+                  </a:ext>
+                </a:extLst>
+              </a:tr>
+              <a:tr h="401782">
+                <a:tc>
+                  <a:txBody>
+                    <a:bodyPr/>
+                    <a:lstStyle/>
+                    <a:p>
+                      <a:pPr algn="ctr">
+                        <a:spcBef>
+                          <a:spcPts val="600"/>
+                        </a:spcBef>
+                        <a:spcAft>
+                          <a:spcPts val="600"/>
+                        </a:spcAft>
+                      </a:pPr>
+                      <a:r>
+                        <a:rPr lang="en-US" sz="1300">
+                          <a:effectLst/>
+                        </a:rPr>
+                        <a:t>2000</a:t>
+                      </a:r>
+                      <a:endParaRPr lang="vi-VN" sz="1300">
+                        <a:effectLst/>
+                        <a:latin typeface="Times New Roman" panose="02020603050405020304" pitchFamily="18" charset="0"/>
+                        <a:ea typeface="Calibri" panose="020F0502020204030204" pitchFamily="34" charset="0"/>
+                        <a:cs typeface="Times New Roman" panose="02020603050405020304" pitchFamily="18" charset="0"/>
+                      </a:endParaRPr>
+                    </a:p>
+                  </a:txBody>
+                  <a:tcPr marL="68580" marR="68580" marT="0" marB="0"/>
+                </a:tc>
+                <a:tc>
+                  <a:txBody>
+                    <a:bodyPr/>
+                    <a:lstStyle/>
+                    <a:p>
+                      <a:pPr algn="ctr">
+                        <a:spcBef>
+                          <a:spcPts val="600"/>
+                        </a:spcBef>
+                        <a:spcAft>
+                          <a:spcPts val="600"/>
+                        </a:spcAft>
+                      </a:pPr>
+                      <a:r>
+                        <a:rPr lang="en-US" sz="1300">
+                          <a:effectLst/>
+                        </a:rPr>
+                        <a:t>Medium_Retail_Transaction_Dataset.csv</a:t>
+                      </a:r>
+                      <a:endParaRPr lang="vi-VN" sz="1300">
+                        <a:effectLst/>
+                        <a:latin typeface="Times New Roman" panose="02020603050405020304" pitchFamily="18" charset="0"/>
+                        <a:ea typeface="Calibri" panose="020F0502020204030204" pitchFamily="34" charset="0"/>
+                        <a:cs typeface="Times New Roman" panose="02020603050405020304" pitchFamily="18" charset="0"/>
+                      </a:endParaRPr>
+                    </a:p>
+                  </a:txBody>
+                  <a:tcPr marL="68580" marR="68580" marT="0" marB="0"/>
+                </a:tc>
+                <a:tc>
+                  <a:txBody>
+                    <a:bodyPr/>
+                    <a:lstStyle/>
+                    <a:p>
+                      <a:pPr algn="ctr">
+                        <a:spcBef>
+                          <a:spcPts val="600"/>
+                        </a:spcBef>
+                        <a:spcAft>
+                          <a:spcPts val="600"/>
+                        </a:spcAft>
+                      </a:pPr>
+                      <a:r>
+                        <a:rPr lang="en-US" sz="1300">
+                          <a:effectLst/>
+                        </a:rPr>
+                        <a:t>23.26</a:t>
+                      </a:r>
+                      <a:endParaRPr lang="vi-VN" sz="1300">
+                        <a:effectLst/>
+                        <a:latin typeface="Times New Roman" panose="02020603050405020304" pitchFamily="18" charset="0"/>
+                        <a:ea typeface="Calibri" panose="020F0502020204030204" pitchFamily="34" charset="0"/>
+                        <a:cs typeface="Times New Roman" panose="02020603050405020304" pitchFamily="18" charset="0"/>
+                      </a:endParaRPr>
+                    </a:p>
+                  </a:txBody>
+                  <a:tcPr marL="68580" marR="68580" marT="0" marB="0"/>
+                </a:tc>
+                <a:extLst>
+                  <a:ext uri="{0D108BD9-81ED-4DB2-BD59-A6C34878D82A}">
+                    <a16:rowId xmlns:a16="http://schemas.microsoft.com/office/drawing/2014/main" val="10182030"/>
+                  </a:ext>
+                </a:extLst>
+              </a:tr>
+              <a:tr h="401782">
+                <a:tc>
+                  <a:txBody>
+                    <a:bodyPr/>
+                    <a:lstStyle/>
+                    <a:p>
+                      <a:pPr algn="ctr">
+                        <a:spcBef>
+                          <a:spcPts val="600"/>
+                        </a:spcBef>
+                        <a:spcAft>
+                          <a:spcPts val="600"/>
+                        </a:spcAft>
+                      </a:pPr>
+                      <a:r>
+                        <a:rPr lang="en-US" sz="1300">
+                          <a:effectLst/>
+                        </a:rPr>
+                        <a:t>24000</a:t>
+                      </a:r>
+                      <a:endParaRPr lang="vi-VN" sz="1300">
+                        <a:effectLst/>
+                        <a:latin typeface="Times New Roman" panose="02020603050405020304" pitchFamily="18" charset="0"/>
+                        <a:ea typeface="Calibri" panose="020F0502020204030204" pitchFamily="34" charset="0"/>
+                        <a:cs typeface="Times New Roman" panose="02020603050405020304" pitchFamily="18" charset="0"/>
+                      </a:endParaRPr>
+                    </a:p>
+                  </a:txBody>
+                  <a:tcPr marL="68580" marR="68580" marT="0" marB="0"/>
+                </a:tc>
+                <a:tc>
+                  <a:txBody>
+                    <a:bodyPr/>
+                    <a:lstStyle/>
+                    <a:p>
+                      <a:pPr algn="ctr">
+                        <a:spcBef>
+                          <a:spcPts val="600"/>
+                        </a:spcBef>
+                        <a:spcAft>
+                          <a:spcPts val="600"/>
+                        </a:spcAft>
+                        <a:tabLst>
+                          <a:tab pos="2076450" algn="l"/>
+                        </a:tabLst>
+                      </a:pPr>
+                      <a:r>
+                        <a:rPr lang="en-US" sz="1300" dirty="0">
+                          <a:effectLst/>
+                        </a:rPr>
+                        <a:t>Retail_Transactions_Dataset.csv</a:t>
+                      </a:r>
+                      <a:endParaRPr lang="vi-VN" sz="1300" dirty="0">
+                        <a:effectLst/>
+                        <a:latin typeface="Times New Roman" panose="02020603050405020304" pitchFamily="18" charset="0"/>
+                        <a:ea typeface="Calibri" panose="020F0502020204030204" pitchFamily="34" charset="0"/>
+                        <a:cs typeface="Times New Roman" panose="02020603050405020304" pitchFamily="18" charset="0"/>
+                      </a:endParaRPr>
+                    </a:p>
+                  </a:txBody>
+                  <a:tcPr marL="68580" marR="68580" marT="0" marB="0"/>
+                </a:tc>
+                <a:tc>
+                  <a:txBody>
+                    <a:bodyPr/>
+                    <a:lstStyle/>
+                    <a:p>
+                      <a:pPr algn="ctr">
+                        <a:spcBef>
+                          <a:spcPts val="600"/>
+                        </a:spcBef>
+                        <a:spcAft>
+                          <a:spcPts val="600"/>
+                        </a:spcAft>
+                      </a:pPr>
+                      <a:r>
+                        <a:rPr lang="en-US" sz="1300" dirty="0">
+                          <a:effectLst/>
+                        </a:rPr>
+                        <a:t>78</a:t>
+                      </a:r>
+                      <a:endParaRPr lang="vi-VN" sz="1300" dirty="0">
+                        <a:effectLst/>
+                        <a:latin typeface="Times New Roman" panose="02020603050405020304" pitchFamily="18" charset="0"/>
+                        <a:ea typeface="Calibri" panose="020F0502020204030204" pitchFamily="34" charset="0"/>
+                        <a:cs typeface="Times New Roman" panose="02020603050405020304" pitchFamily="18" charset="0"/>
+                      </a:endParaRPr>
+                    </a:p>
+                  </a:txBody>
+                  <a:tcPr marL="68580" marR="68580" marT="0" marB="0"/>
+                </a:tc>
+                <a:extLst>
+                  <a:ext uri="{0D108BD9-81ED-4DB2-BD59-A6C34878D82A}">
+                    <a16:rowId xmlns:a16="http://schemas.microsoft.com/office/drawing/2014/main" val="3087039998"/>
+                  </a:ext>
+                </a:extLst>
+              </a:tr>
+            </a:tbl>
+          </a:graphicData>
+        </a:graphic>
+      </p:graphicFrame>
     </p:spTree>
   </p:cSld>
   <p:clrMapOvr>
@@ -17263,142 +18845,6 @@
 <file path=ppt/slides/slide5.xml><?xml version="1.0" encoding="utf-8"?>
 <p:sld xmlns:a="http://schemas.openxmlformats.org/drawingml/2006/main" xmlns:r="http://schemas.openxmlformats.org/officeDocument/2006/relationships" xmlns:p="http://schemas.openxmlformats.org/presentationml/2006/main">
   <p:cSld>
-    <p:bg>
-      <p:bgPr>
-        <a:solidFill>
-          <a:srgbClr val="99B9FF"/>
-        </a:solidFill>
-        <a:effectLst/>
-      </p:bgPr>
-    </p:bg>
-    <p:spTree>
-      <p:nvGrpSpPr>
-        <p:cNvPr id="1" name=""/>
-        <p:cNvGrpSpPr/>
-        <p:nvPr/>
-      </p:nvGrpSpPr>
-      <p:grpSpPr>
-        <a:xfrm>
-          <a:off x="0" y="0"/>
-          <a:ext cx="0" cy="0"/>
-          <a:chOff x="0" y="0"/>
-          <a:chExt cx="0" cy="0"/>
-        </a:xfrm>
-      </p:grpSpPr>
-      <p:sp>
-        <p:nvSpPr>
-          <p:cNvPr id="2" name="TextBox 2"/>
-          <p:cNvSpPr txBox="1"/>
-          <p:nvPr/>
-        </p:nvSpPr>
-        <p:spPr>
-          <a:xfrm>
-            <a:off x="3021440" y="4343400"/>
-            <a:ext cx="12245119" cy="1590675"/>
-          </a:xfrm>
-          <a:prstGeom prst="rect">
-            <a:avLst/>
-          </a:prstGeom>
-        </p:spPr>
-        <p:txBody>
-          <a:bodyPr lIns="0" tIns="0" rIns="0" bIns="0" rtlCol="0" anchor="t">
-            <a:spAutoFit/>
-          </a:bodyPr>
-          <a:lstStyle/>
-          <a:p>
-            <a:pPr marL="0" lvl="0" indent="0" algn="ctr">
-              <a:lnSpc>
-                <a:spcPts val="12475"/>
-              </a:lnSpc>
-              <a:spcBef>
-                <a:spcPct val="0"/>
-              </a:spcBef>
-            </a:pPr>
-            <a:r>
-              <a:rPr lang="en-US" sz="10396">
-                <a:solidFill>
-                  <a:srgbClr val="000000"/>
-                </a:solidFill>
-                <a:latin typeface="Roboto Bold"/>
-                <a:ea typeface="Roboto Bold"/>
-                <a:cs typeface="Roboto Bold"/>
-                <a:sym typeface="Roboto Bold"/>
-              </a:rPr>
-              <a:t>Khai thác đồ thị con</a:t>
-            </a:r>
-          </a:p>
-        </p:txBody>
-      </p:sp>
-      <p:pic>
-        <p:nvPicPr>
-          <p:cNvPr id="3" name="Picture 2" descr="Vector Logo] Trường Đại Học Tôn Đức Thắng - TDTU">
-            <a:extLst>
-              <a:ext uri="{FF2B5EF4-FFF2-40B4-BE49-F238E27FC236}">
-                <a16:creationId xmlns:a16="http://schemas.microsoft.com/office/drawing/2014/main" id="{B1C88488-4A3E-23D5-F531-F210EC101E99}"/>
-              </a:ext>
-            </a:extLst>
-          </p:cNvPr>
-          <p:cNvPicPr>
-            <a:picLocks noChangeAspect="1" noChangeArrowheads="1"/>
-          </p:cNvPicPr>
-          <p:nvPr/>
-        </p:nvPicPr>
-        <p:blipFill>
-          <a:blip r:embed="rId2" cstate="print">
-            <a:extLst>
-              <a:ext uri="{28A0092B-C50C-407E-A947-70E740481C1C}">
-                <a14:useLocalDpi xmlns:a14="http://schemas.microsoft.com/office/drawing/2010/main" val="0"/>
-              </a:ext>
-            </a:extLst>
-          </a:blip>
-          <a:srcRect/>
-          <a:stretch>
-            <a:fillRect/>
-          </a:stretch>
-        </p:blipFill>
-        <p:spPr bwMode="auto">
-          <a:xfrm>
-            <a:off x="218640" y="190500"/>
-            <a:ext cx="1993026" cy="1101147"/>
-          </a:xfrm>
-          <a:prstGeom prst="rect">
-            <a:avLst/>
-          </a:prstGeom>
-          <a:noFill/>
-          <a:extLst>
-            <a:ext uri="{909E8E84-426E-40DD-AFC4-6F175D3DCCD1}">
-              <a14:hiddenFill xmlns:a14="http://schemas.microsoft.com/office/drawing/2010/main">
-                <a:solidFill>
-                  <a:srgbClr val="FFFFFF"/>
-                </a:solidFill>
-              </a14:hiddenFill>
-            </a:ext>
-          </a:extLst>
-        </p:spPr>
-      </p:pic>
-    </p:spTree>
-  </p:cSld>
-  <p:clrMapOvr>
-    <a:masterClrMapping/>
-  </p:clrMapOvr>
-  <mc:AlternateContent xmlns:mc="http://schemas.openxmlformats.org/markup-compatibility/2006" xmlns:p159="http://schemas.microsoft.com/office/powerpoint/2015/09/main">
-    <mc:Choice Requires="p159">
-      <p:transition spd="slow">
-        <p159:morph option="byObject"/>
-      </p:transition>
-    </mc:Choice>
-    <mc:Fallback xmlns="">
-      <p:transition spd="slow">
-        <p:fade/>
-      </p:transition>
-    </mc:Fallback>
-  </mc:AlternateContent>
-</p:sld>
-</file>
-
-<file path=ppt/slides/slide6.xml><?xml version="1.0" encoding="utf-8"?>
-<p:sld xmlns:a="http://schemas.openxmlformats.org/drawingml/2006/main" xmlns:r="http://schemas.openxmlformats.org/officeDocument/2006/relationships" xmlns:p="http://schemas.openxmlformats.org/presentationml/2006/main">
-  <p:cSld>
     <p:spTree>
       <p:nvGrpSpPr>
         <p:cNvPr id="1" name=""/>
@@ -17415,10 +18861,10 @@
       </p:grpSpPr>
       <p:grpSp>
         <p:nvGrpSpPr>
-          <p:cNvPr id="20" name="Group 2">
+          <p:cNvPr id="16" name="Group 5">
             <a:extLst>
               <a:ext uri="{FF2B5EF4-FFF2-40B4-BE49-F238E27FC236}">
-                <a16:creationId xmlns:a16="http://schemas.microsoft.com/office/drawing/2014/main" id="{DB4FF2DC-2DDC-59B7-8969-4480642AC68D}"/>
+                <a16:creationId xmlns:a16="http://schemas.microsoft.com/office/drawing/2014/main" id="{040C51FD-FC58-92F7-78C9-333217357C71}"/>
               </a:ext>
             </a:extLst>
           </p:cNvPr>
@@ -17427,18 +18873,18 @@
         </p:nvGrpSpPr>
         <p:grpSpPr>
           <a:xfrm>
-            <a:off x="11856789" y="7586107"/>
-            <a:ext cx="3916610" cy="1576740"/>
+            <a:off x="11869078" y="7576785"/>
+            <a:ext cx="3916611" cy="1635319"/>
             <a:chOff x="0" y="0"/>
             <a:chExt cx="909057" cy="1226842"/>
           </a:xfrm>
         </p:grpSpPr>
         <p:sp>
           <p:nvSpPr>
-            <p:cNvPr id="21" name="Freeform 3">
+            <p:cNvPr id="17" name="Freeform 6">
               <a:extLst>
                 <a:ext uri="{FF2B5EF4-FFF2-40B4-BE49-F238E27FC236}">
-                  <a16:creationId xmlns:a16="http://schemas.microsoft.com/office/drawing/2014/main" id="{D296F35B-9354-D07C-E234-83DD626DF8B7}"/>
+                  <a16:creationId xmlns:a16="http://schemas.microsoft.com/office/drawing/2014/main" id="{C507F4C9-2EFC-E28E-07A0-DE702D20F2E4}"/>
                 </a:ext>
               </a:extLst>
             </p:cNvPr>
@@ -17501,13 +18947,13 @@
           </p:spPr>
           <p:style>
             <a:lnRef idx="0">
-              <a:schemeClr val="accent5"/>
+              <a:schemeClr val="accent6"/>
             </a:lnRef>
             <a:fillRef idx="3">
-              <a:schemeClr val="accent5"/>
+              <a:schemeClr val="accent6"/>
             </a:fillRef>
             <a:effectRef idx="3">
-              <a:schemeClr val="accent5"/>
+              <a:schemeClr val="accent6"/>
             </a:effectRef>
             <a:fontRef idx="minor">
               <a:schemeClr val="lt1"/>
@@ -17517,16 +18963,29 @@
             <a:bodyPr/>
             <a:lstStyle/>
             <a:p>
-              <a:endParaRPr lang="en-US"/>
+              <a:endParaRPr lang="en-US" b="1" dirty="0">
+                <a:ln w="22225">
+                  <a:solidFill>
+                    <a:schemeClr val="accent2"/>
+                  </a:solidFill>
+                  <a:prstDash val="solid"/>
+                </a:ln>
+                <a:solidFill>
+                  <a:schemeClr val="accent2">
+                    <a:lumMod val="40000"/>
+                    <a:lumOff val="60000"/>
+                  </a:schemeClr>
+                </a:solidFill>
+              </a:endParaRPr>
             </a:p>
           </p:txBody>
         </p:sp>
         <p:sp>
           <p:nvSpPr>
-            <p:cNvPr id="22" name="TextBox 4">
+            <p:cNvPr id="18" name="TextBox 7">
               <a:extLst>
                 <a:ext uri="{FF2B5EF4-FFF2-40B4-BE49-F238E27FC236}">
-                  <a16:creationId xmlns:a16="http://schemas.microsoft.com/office/drawing/2014/main" id="{1D8D7E75-19CC-D6D5-2267-36544BF7A70F}"/>
+                  <a16:creationId xmlns:a16="http://schemas.microsoft.com/office/drawing/2014/main" id="{72127DF8-3FF0-FE54-EC55-7A3B9D108D43}"/>
                 </a:ext>
               </a:extLst>
             </p:cNvPr>
@@ -17544,13 +19003,13 @@
           </p:spPr>
           <p:style>
             <a:lnRef idx="0">
-              <a:schemeClr val="accent5"/>
+              <a:schemeClr val="accent6"/>
             </a:lnRef>
             <a:fillRef idx="3">
-              <a:schemeClr val="accent5"/>
+              <a:schemeClr val="accent6"/>
             </a:fillRef>
             <a:effectRef idx="3">
-              <a:schemeClr val="accent5"/>
+              <a:schemeClr val="accent6"/>
             </a:effectRef>
             <a:fontRef idx="minor">
               <a:schemeClr val="lt1"/>
@@ -17568,7 +19027,20 @@
                   <a:spcPct val="0"/>
                 </a:spcBef>
               </a:pPr>
-              <a:endParaRPr/>
+              <a:endParaRPr b="1">
+                <a:ln w="22225">
+                  <a:solidFill>
+                    <a:schemeClr val="accent2"/>
+                  </a:solidFill>
+                  <a:prstDash val="solid"/>
+                </a:ln>
+                <a:solidFill>
+                  <a:schemeClr val="accent2">
+                    <a:lumMod val="40000"/>
+                    <a:lumOff val="60000"/>
+                  </a:schemeClr>
+                </a:solidFill>
+              </a:endParaRPr>
             </a:p>
           </p:txBody>
         </p:sp>
@@ -18506,11 +19978,11 @@
             <a:r>
               <a:rPr lang="en-US" sz="2799" dirty="0" err="1">
                 <a:solidFill>
-                  <a:schemeClr val="bg2"/>
-                </a:solidFill>
-                <a:latin typeface="Roboto"/>
-                <a:ea typeface="Roboto"/>
-                <a:cs typeface="Roboto"/>
+                  <a:schemeClr val="bg1"/>
+                </a:solidFill>
+                <a:latin typeface="Arial" panose="020B0604020202020204" pitchFamily="34" charset="0"/>
+                <a:ea typeface="Roboto"/>
+                <a:cs typeface="Arial" panose="020B0604020202020204" pitchFamily="34" charset="0"/>
                 <a:sym typeface="Roboto"/>
               </a:rPr>
               <a:t>Khai</a:t>
@@ -18518,11 +19990,11 @@
             <a:r>
               <a:rPr lang="en-US" sz="2799" dirty="0">
                 <a:solidFill>
-                  <a:schemeClr val="bg2"/>
-                </a:solidFill>
-                <a:latin typeface="Roboto"/>
-                <a:ea typeface="Roboto"/>
-                <a:cs typeface="Roboto"/>
+                  <a:schemeClr val="bg1"/>
+                </a:solidFill>
+                <a:latin typeface="Arial" panose="020B0604020202020204" pitchFamily="34" charset="0"/>
+                <a:ea typeface="Roboto"/>
+                <a:cs typeface="Arial" panose="020B0604020202020204" pitchFamily="34" charset="0"/>
                 <a:sym typeface="Roboto"/>
               </a:rPr>
               <a:t> </a:t>
@@ -18530,11 +20002,11 @@
             <a:r>
               <a:rPr lang="en-US" sz="2799" dirty="0" err="1">
                 <a:solidFill>
-                  <a:schemeClr val="bg2"/>
-                </a:solidFill>
-                <a:latin typeface="Roboto"/>
-                <a:ea typeface="Roboto"/>
-                <a:cs typeface="Roboto"/>
+                  <a:schemeClr val="bg1"/>
+                </a:solidFill>
+                <a:latin typeface="Arial" panose="020B0604020202020204" pitchFamily="34" charset="0"/>
+                <a:ea typeface="Roboto"/>
+                <a:cs typeface="Arial" panose="020B0604020202020204" pitchFamily="34" charset="0"/>
                 <a:sym typeface="Roboto"/>
               </a:rPr>
               <a:t>thác</a:t>
@@ -18542,11 +20014,11 @@
             <a:r>
               <a:rPr lang="en-US" sz="2799" dirty="0">
                 <a:solidFill>
-                  <a:schemeClr val="bg2"/>
-                </a:solidFill>
-                <a:latin typeface="Roboto"/>
-                <a:ea typeface="Roboto"/>
-                <a:cs typeface="Roboto"/>
+                  <a:schemeClr val="bg1"/>
+                </a:solidFill>
+                <a:latin typeface="Arial" panose="020B0604020202020204" pitchFamily="34" charset="0"/>
+                <a:ea typeface="Roboto"/>
+                <a:cs typeface="Arial" panose="020B0604020202020204" pitchFamily="34" charset="0"/>
                 <a:sym typeface="Roboto"/>
               </a:rPr>
               <a:t> </a:t>
@@ -18554,11 +20026,11 @@
             <a:r>
               <a:rPr lang="en-US" sz="2799" dirty="0" err="1">
                 <a:solidFill>
-                  <a:schemeClr val="bg2"/>
-                </a:solidFill>
-                <a:latin typeface="Roboto"/>
-                <a:ea typeface="Roboto"/>
-                <a:cs typeface="Roboto"/>
+                  <a:schemeClr val="bg1"/>
+                </a:solidFill>
+                <a:latin typeface="Arial" panose="020B0604020202020204" pitchFamily="34" charset="0"/>
+                <a:ea typeface="Roboto"/>
+                <a:cs typeface="Arial" panose="020B0604020202020204" pitchFamily="34" charset="0"/>
                 <a:sym typeface="Roboto"/>
               </a:rPr>
               <a:t>đô</a:t>
@@ -18566,11 +20038,11 @@
             <a:r>
               <a:rPr lang="en-US" sz="2799" dirty="0">
                 <a:solidFill>
-                  <a:schemeClr val="bg2"/>
-                </a:solidFill>
-                <a:latin typeface="Roboto"/>
-                <a:ea typeface="Roboto"/>
-                <a:cs typeface="Roboto"/>
+                  <a:schemeClr val="bg1"/>
+                </a:solidFill>
+                <a:latin typeface="Arial" panose="020B0604020202020204" pitchFamily="34" charset="0"/>
+                <a:ea typeface="Roboto"/>
+                <a:cs typeface="Arial" panose="020B0604020202020204" pitchFamily="34" charset="0"/>
                 <a:sym typeface="Roboto"/>
               </a:rPr>
               <a:t>̀ </a:t>
@@ -18578,11 +20050,11 @@
             <a:r>
               <a:rPr lang="en-US" sz="2799" dirty="0" err="1">
                 <a:solidFill>
-                  <a:schemeClr val="bg2"/>
-                </a:solidFill>
-                <a:latin typeface="Roboto"/>
-                <a:ea typeface="Roboto"/>
-                <a:cs typeface="Roboto"/>
+                  <a:schemeClr val="bg1"/>
+                </a:solidFill>
+                <a:latin typeface="Arial" panose="020B0604020202020204" pitchFamily="34" charset="0"/>
+                <a:ea typeface="Roboto"/>
+                <a:cs typeface="Arial" panose="020B0604020202020204" pitchFamily="34" charset="0"/>
                 <a:sym typeface="Roboto"/>
               </a:rPr>
               <a:t>thi</a:t>
@@ -18590,22 +20062,22 @@
             <a:r>
               <a:rPr lang="en-US" sz="2799" dirty="0">
                 <a:solidFill>
-                  <a:schemeClr val="bg2"/>
-                </a:solidFill>
-                <a:latin typeface="Roboto"/>
-                <a:ea typeface="Roboto"/>
-                <a:cs typeface="Roboto"/>
+                  <a:schemeClr val="bg1"/>
+                </a:solidFill>
+                <a:latin typeface="Arial" panose="020B0604020202020204" pitchFamily="34" charset="0"/>
+                <a:ea typeface="Roboto"/>
+                <a:cs typeface="Arial" panose="020B0604020202020204" pitchFamily="34" charset="0"/>
                 <a:sym typeface="Roboto"/>
               </a:rPr>
               <a:t>̣</a:t>
             </a:r>
             <a:endParaRPr lang="en-US" sz="2799" dirty="0">
               <a:solidFill>
-                <a:schemeClr val="bg2"/>
+                <a:schemeClr val="bg1"/>
               </a:solidFill>
-              <a:latin typeface="Montserrat"/>
+              <a:latin typeface="Arial" panose="020B0604020202020204" pitchFamily="34" charset="0"/>
               <a:ea typeface="Montserrat"/>
-              <a:cs typeface="Montserrat"/>
+              <a:cs typeface="Arial" panose="020B0604020202020204" pitchFamily="34" charset="0"/>
               <a:sym typeface="Montserrat"/>
             </a:endParaRPr>
           </a:p>
@@ -18864,7 +20336,7 @@
                                 </p:cTn>
                               </p:par>
                               <p:par>
-                                <p:cTn id="23" presetID="6" presetClass="entr" presetSubtype="16" fill="hold" nodeType="withEffect">
+                                <p:cTn id="23" presetID="6" presetClass="entr" presetSubtype="16" fill="hold" grpId="0" nodeType="withEffect">
                                   <p:stCondLst>
                                     <p:cond delay="0"/>
                                   </p:stCondLst>
@@ -18872,41 +20344,6 @@
                                     <p:set>
                                       <p:cBhvr>
                                         <p:cTn id="24" dur="1" fill="hold">
-                                          <p:stCondLst>
-                                            <p:cond delay="0"/>
-                                          </p:stCondLst>
-                                        </p:cTn>
-                                        <p:tgtEl>
-                                          <p:spTgt spid="20"/>
-                                        </p:tgtEl>
-                                        <p:attrNameLst>
-                                          <p:attrName>style.visibility</p:attrName>
-                                        </p:attrNameLst>
-                                      </p:cBhvr>
-                                      <p:to>
-                                        <p:strVal val="visible"/>
-                                      </p:to>
-                                    </p:set>
-                                    <p:animEffect transition="in" filter="circle(in)">
-                                      <p:cBhvr>
-                                        <p:cTn id="25" dur="2000"/>
-                                        <p:tgtEl>
-                                          <p:spTgt spid="20"/>
-                                        </p:tgtEl>
-                                      </p:cBhvr>
-                                    </p:animEffect>
-                                  </p:childTnLst>
-                                </p:cTn>
-                              </p:par>
-                              <p:par>
-                                <p:cTn id="26" presetID="6" presetClass="entr" presetSubtype="16" fill="hold" grpId="0" nodeType="withEffect">
-                                  <p:stCondLst>
-                                    <p:cond delay="0"/>
-                                  </p:stCondLst>
-                                  <p:childTnLst>
-                                    <p:set>
-                                      <p:cBhvr>
-                                        <p:cTn id="27" dur="1" fill="hold">
                                           <p:stCondLst>
                                             <p:cond delay="0"/>
                                           </p:stCondLst>
@@ -18924,9 +20361,44 @@
                                     </p:set>
                                     <p:animEffect transition="in" filter="circle(in)">
                                       <p:cBhvr>
-                                        <p:cTn id="28" dur="2000"/>
+                                        <p:cTn id="25" dur="2000"/>
                                         <p:tgtEl>
                                           <p:spTgt spid="19"/>
+                                        </p:tgtEl>
+                                      </p:cBhvr>
+                                    </p:animEffect>
+                                  </p:childTnLst>
+                                </p:cTn>
+                              </p:par>
+                              <p:par>
+                                <p:cTn id="26" presetID="22" presetClass="entr" presetSubtype="4" fill="hold" nodeType="withEffect">
+                                  <p:stCondLst>
+                                    <p:cond delay="0"/>
+                                  </p:stCondLst>
+                                  <p:childTnLst>
+                                    <p:set>
+                                      <p:cBhvr>
+                                        <p:cTn id="27" dur="1" fill="hold">
+                                          <p:stCondLst>
+                                            <p:cond delay="0"/>
+                                          </p:stCondLst>
+                                        </p:cTn>
+                                        <p:tgtEl>
+                                          <p:spTgt spid="16"/>
+                                        </p:tgtEl>
+                                        <p:attrNameLst>
+                                          <p:attrName>style.visibility</p:attrName>
+                                        </p:attrNameLst>
+                                      </p:cBhvr>
+                                      <p:to>
+                                        <p:strVal val="visible"/>
+                                      </p:to>
+                                    </p:set>
+                                    <p:animEffect transition="in" filter="wipe(down)">
+                                      <p:cBhvr>
+                                        <p:cTn id="28" dur="500"/>
+                                        <p:tgtEl>
+                                          <p:spTgt spid="16"/>
                                         </p:tgtEl>
                                       </p:cBhvr>
                                     </p:animEffect>
@@ -18970,7 +20442,7 @@
 </p:sld>
 </file>
 
-<file path=ppt/slides/slide7.xml><?xml version="1.0" encoding="utf-8"?>
+<file path=ppt/slides/slide6.xml><?xml version="1.0" encoding="utf-8"?>
 <p:sld xmlns:a="http://schemas.openxmlformats.org/drawingml/2006/main" xmlns:r="http://schemas.openxmlformats.org/officeDocument/2006/relationships" xmlns:p="http://schemas.openxmlformats.org/presentationml/2006/main">
   <p:cSld>
     <p:spTree>
@@ -20261,6 +21733,142 @@
 </p:sld>
 </file>
 
+<file path=ppt/slides/slide7.xml><?xml version="1.0" encoding="utf-8"?>
+<p:sld xmlns:a="http://schemas.openxmlformats.org/drawingml/2006/main" xmlns:r="http://schemas.openxmlformats.org/officeDocument/2006/relationships" xmlns:p="http://schemas.openxmlformats.org/presentationml/2006/main">
+  <p:cSld>
+    <p:bg>
+      <p:bgPr>
+        <a:solidFill>
+          <a:srgbClr val="99B9FF"/>
+        </a:solidFill>
+        <a:effectLst/>
+      </p:bgPr>
+    </p:bg>
+    <p:spTree>
+      <p:nvGrpSpPr>
+        <p:cNvPr id="1" name=""/>
+        <p:cNvGrpSpPr/>
+        <p:nvPr/>
+      </p:nvGrpSpPr>
+      <p:grpSpPr>
+        <a:xfrm>
+          <a:off x="0" y="0"/>
+          <a:ext cx="0" cy="0"/>
+          <a:chOff x="0" y="0"/>
+          <a:chExt cx="0" cy="0"/>
+        </a:xfrm>
+      </p:grpSpPr>
+      <p:sp>
+        <p:nvSpPr>
+          <p:cNvPr id="2" name="TextBox 2"/>
+          <p:cNvSpPr txBox="1"/>
+          <p:nvPr/>
+        </p:nvSpPr>
+        <p:spPr>
+          <a:xfrm>
+            <a:off x="3021440" y="4343400"/>
+            <a:ext cx="12245119" cy="1590675"/>
+          </a:xfrm>
+          <a:prstGeom prst="rect">
+            <a:avLst/>
+          </a:prstGeom>
+        </p:spPr>
+        <p:txBody>
+          <a:bodyPr lIns="0" tIns="0" rIns="0" bIns="0" rtlCol="0" anchor="t">
+            <a:spAutoFit/>
+          </a:bodyPr>
+          <a:lstStyle/>
+          <a:p>
+            <a:pPr marL="0" lvl="0" indent="0" algn="ctr">
+              <a:lnSpc>
+                <a:spcPts val="12475"/>
+              </a:lnSpc>
+              <a:spcBef>
+                <a:spcPct val="0"/>
+              </a:spcBef>
+            </a:pPr>
+            <a:r>
+              <a:rPr lang="en-US" sz="10396">
+                <a:solidFill>
+                  <a:srgbClr val="000000"/>
+                </a:solidFill>
+                <a:latin typeface="Roboto Bold"/>
+                <a:ea typeface="Roboto Bold"/>
+                <a:cs typeface="Roboto Bold"/>
+                <a:sym typeface="Roboto Bold"/>
+              </a:rPr>
+              <a:t>Khai thác đồ thị con</a:t>
+            </a:r>
+          </a:p>
+        </p:txBody>
+      </p:sp>
+      <p:pic>
+        <p:nvPicPr>
+          <p:cNvPr id="3" name="Picture 2" descr="Vector Logo] Trường Đại Học Tôn Đức Thắng - TDTU">
+            <a:extLst>
+              <a:ext uri="{FF2B5EF4-FFF2-40B4-BE49-F238E27FC236}">
+                <a16:creationId xmlns:a16="http://schemas.microsoft.com/office/drawing/2014/main" id="{B1C88488-4A3E-23D5-F531-F210EC101E99}"/>
+              </a:ext>
+            </a:extLst>
+          </p:cNvPr>
+          <p:cNvPicPr>
+            <a:picLocks noChangeAspect="1" noChangeArrowheads="1"/>
+          </p:cNvPicPr>
+          <p:nvPr/>
+        </p:nvPicPr>
+        <p:blipFill>
+          <a:blip r:embed="rId2" cstate="print">
+            <a:extLst>
+              <a:ext uri="{28A0092B-C50C-407E-A947-70E740481C1C}">
+                <a14:useLocalDpi xmlns:a14="http://schemas.microsoft.com/office/drawing/2010/main" val="0"/>
+              </a:ext>
+            </a:extLst>
+          </a:blip>
+          <a:srcRect/>
+          <a:stretch>
+            <a:fillRect/>
+          </a:stretch>
+        </p:blipFill>
+        <p:spPr bwMode="auto">
+          <a:xfrm>
+            <a:off x="218640" y="190500"/>
+            <a:ext cx="1993026" cy="1101147"/>
+          </a:xfrm>
+          <a:prstGeom prst="rect">
+            <a:avLst/>
+          </a:prstGeom>
+          <a:noFill/>
+          <a:extLst>
+            <a:ext uri="{909E8E84-426E-40DD-AFC4-6F175D3DCCD1}">
+              <a14:hiddenFill xmlns:a14="http://schemas.microsoft.com/office/drawing/2010/main">
+                <a:solidFill>
+                  <a:srgbClr val="FFFFFF"/>
+                </a:solidFill>
+              </a14:hiddenFill>
+            </a:ext>
+          </a:extLst>
+        </p:spPr>
+      </p:pic>
+    </p:spTree>
+  </p:cSld>
+  <p:clrMapOvr>
+    <a:masterClrMapping/>
+  </p:clrMapOvr>
+  <mc:AlternateContent xmlns:mc="http://schemas.openxmlformats.org/markup-compatibility/2006" xmlns:p159="http://schemas.microsoft.com/office/powerpoint/2015/09/main">
+    <mc:Choice Requires="p159">
+      <p:transition spd="slow">
+        <p159:morph option="byObject"/>
+      </p:transition>
+    </mc:Choice>
+    <mc:Fallback xmlns="">
+      <p:transition spd="slow">
+        <p:fade/>
+      </p:transition>
+    </mc:Fallback>
+  </mc:AlternateContent>
+</p:sld>
+</file>
+
 <file path=ppt/slides/slide8.xml><?xml version="1.0" encoding="utf-8"?>
 <p:sld xmlns:a="http://schemas.openxmlformats.org/drawingml/2006/main" xmlns:r="http://schemas.openxmlformats.org/officeDocument/2006/relationships" xmlns:p="http://schemas.openxmlformats.org/presentationml/2006/main">
   <p:cSld>
@@ -21479,7 +23087,7 @@
         </p:nvSpPr>
         <p:spPr>
           <a:xfrm>
-            <a:off x="1028700" y="4799842"/>
+            <a:off x="1028700" y="6532562"/>
             <a:ext cx="3390900" cy="820738"/>
           </a:xfrm>
           <a:prstGeom prst="rect">
@@ -21562,7 +23170,7 @@
         </p:nvSpPr>
         <p:spPr>
           <a:xfrm>
-            <a:off x="1028700" y="6229878"/>
+            <a:off x="1028700" y="7353300"/>
             <a:ext cx="9484368" cy="1570943"/>
           </a:xfrm>
           <a:prstGeom prst="rect">
@@ -21783,7 +23391,7 @@
         </p:nvSpPr>
         <p:spPr>
           <a:xfrm>
-            <a:off x="1028700" y="8458614"/>
+            <a:off x="1028700" y="9582036"/>
             <a:ext cx="9484368" cy="492058"/>
           </a:xfrm>
           <a:prstGeom prst="rect">
@@ -22036,6 +23644,157 @@
               <a:latin typeface="Arial" panose="020B0604020202020204" pitchFamily="34" charset="0"/>
               <a:ea typeface="Roboto"/>
               <a:cs typeface="Arial" panose="020B0604020202020204" pitchFamily="34" charset="0"/>
+              <a:sym typeface="Roboto"/>
+            </a:endParaRPr>
+          </a:p>
+        </p:txBody>
+      </p:sp>
+      <p:sp>
+        <p:nvSpPr>
+          <p:cNvPr id="6" name="TextBox 4">
+            <a:extLst>
+              <a:ext uri="{FF2B5EF4-FFF2-40B4-BE49-F238E27FC236}">
+                <a16:creationId xmlns:a16="http://schemas.microsoft.com/office/drawing/2014/main" id="{2C11A469-F7BD-2078-F27C-8B2A15D5E5B2}"/>
+              </a:ext>
+            </a:extLst>
+          </p:cNvPr>
+          <p:cNvSpPr txBox="1"/>
+          <p:nvPr/>
+        </p:nvSpPr>
+        <p:spPr>
+          <a:xfrm>
+            <a:off x="1025288" y="4457700"/>
+            <a:ext cx="8804512" cy="1030667"/>
+          </a:xfrm>
+          <a:prstGeom prst="rect">
+            <a:avLst/>
+          </a:prstGeom>
+        </p:spPr>
+        <p:txBody>
+          <a:bodyPr wrap="square" lIns="0" tIns="0" rIns="0" bIns="0" rtlCol="0" anchor="t">
+            <a:spAutoFit/>
+          </a:bodyPr>
+          <a:lstStyle/>
+          <a:p>
+            <a:pPr algn="l">
+              <a:lnSpc>
+                <a:spcPts val="4199"/>
+              </a:lnSpc>
+            </a:pPr>
+            <a:r>
+              <a:rPr lang="en-US" sz="2799" dirty="0" err="1">
+                <a:solidFill>
+                  <a:srgbClr val="000000"/>
+                </a:solidFill>
+                <a:latin typeface="Roboto"/>
+                <a:ea typeface="Roboto"/>
+                <a:cs typeface="Roboto"/>
+                <a:sym typeface="Roboto"/>
+              </a:rPr>
+              <a:t>Công</a:t>
+            </a:r>
+            <a:r>
+              <a:rPr lang="en-US" sz="2799" dirty="0">
+                <a:solidFill>
+                  <a:srgbClr val="000000"/>
+                </a:solidFill>
+                <a:latin typeface="Roboto"/>
+                <a:ea typeface="Roboto"/>
+                <a:cs typeface="Roboto"/>
+                <a:sym typeface="Roboto"/>
+              </a:rPr>
+              <a:t> </a:t>
+            </a:r>
+            <a:r>
+              <a:rPr lang="en-US" sz="2799" dirty="0" err="1">
+                <a:solidFill>
+                  <a:srgbClr val="000000"/>
+                </a:solidFill>
+                <a:latin typeface="Roboto"/>
+                <a:ea typeface="Roboto"/>
+                <a:cs typeface="Roboto"/>
+                <a:sym typeface="Roboto"/>
+              </a:rPr>
+              <a:t>thức</a:t>
+            </a:r>
+            <a:r>
+              <a:rPr lang="en-US" sz="2799" dirty="0">
+                <a:solidFill>
+                  <a:srgbClr val="000000"/>
+                </a:solidFill>
+                <a:latin typeface="Roboto"/>
+                <a:ea typeface="Roboto"/>
+                <a:cs typeface="Roboto"/>
+                <a:sym typeface="Roboto"/>
+              </a:rPr>
+              <a:t> </a:t>
+            </a:r>
+            <a:r>
+              <a:rPr lang="en-US" sz="2799" dirty="0" err="1">
+                <a:solidFill>
+                  <a:srgbClr val="000000"/>
+                </a:solidFill>
+                <a:latin typeface="Roboto"/>
+                <a:ea typeface="Roboto"/>
+                <a:cs typeface="Roboto"/>
+                <a:sym typeface="Roboto"/>
+              </a:rPr>
+              <a:t>tính</a:t>
+            </a:r>
+            <a:r>
+              <a:rPr lang="en-US" sz="2799" dirty="0">
+                <a:solidFill>
+                  <a:srgbClr val="000000"/>
+                </a:solidFill>
+                <a:latin typeface="Roboto"/>
+                <a:ea typeface="Roboto"/>
+                <a:cs typeface="Roboto"/>
+                <a:sym typeface="Roboto"/>
+              </a:rPr>
+              <a:t> support Gx </a:t>
+            </a:r>
+            <a:r>
+              <a:rPr lang="en-US" sz="2799" dirty="0" err="1">
+                <a:solidFill>
+                  <a:srgbClr val="000000"/>
+                </a:solidFill>
+                <a:latin typeface="Roboto"/>
+                <a:ea typeface="Roboto"/>
+                <a:cs typeface="Roboto"/>
+                <a:sym typeface="Roboto"/>
+              </a:rPr>
+              <a:t>trong</a:t>
+            </a:r>
+            <a:r>
+              <a:rPr lang="en-US" sz="2799" dirty="0">
+                <a:solidFill>
+                  <a:srgbClr val="000000"/>
+                </a:solidFill>
+                <a:latin typeface="Roboto"/>
+                <a:ea typeface="Roboto"/>
+                <a:cs typeface="Roboto"/>
+                <a:sym typeface="Roboto"/>
+              </a:rPr>
+              <a:t> database GD: </a:t>
+            </a:r>
+          </a:p>
+          <a:p>
+            <a:pPr algn="l">
+              <a:lnSpc>
+                <a:spcPts val="4199"/>
+              </a:lnSpc>
+            </a:pPr>
+            <a:r>
+              <a:rPr lang="vi-VN" sz="2800" dirty="0"/>
+              <a:t>sup(Gx) = |{g|g ∈ GD∧Gx v g}|</a:t>
+            </a:r>
+            <a:endParaRPr lang="en-US" sz="2799" dirty="0">
+              <a:solidFill>
+                <a:srgbClr val="000000"/>
+              </a:solidFill>
+              <a:latin typeface="Roboto"/>
+              <a:ea typeface="Roboto"/>
+              <a:cs typeface="Roboto"/>
               <a:sym typeface="Roboto"/>
             </a:endParaRPr>
           </a:p>
